--- a/materials/slides/第二章 JavaScript基础语法.pptx
+++ b/materials/slides/第二章 JavaScript基础语法.pptx
@@ -10195,6 +10195,70 @@
           <a:chExt cx="0" cy="0"/>
         </a:xfrm>
       </p:grpSpPr>
+      <p:pic>
+        <p:nvPicPr>
+          <p:cNvPr id="1026" name="Picture 2"/>
+          <p:cNvPicPr>
+            <a:picLocks noChangeAspect="1" noChangeArrowheads="1"/>
+          </p:cNvPicPr>
+          <p:nvPr/>
+        </p:nvPicPr>
+        <p:blipFill>
+          <a:blip r:embed="rId3">
+            <a:extLst>
+              <a:ext uri="{28A0092B-C50C-407E-A947-70E740481C1C}">
+                <a14:useLocalDpi xmlns:a14="http://schemas.microsoft.com/office/drawing/2010/main" val="0"/>
+              </a:ext>
+            </a:extLst>
+          </a:blip>
+          <a:srcRect/>
+          <a:stretch>
+            <a:fillRect/>
+          </a:stretch>
+        </p:blipFill>
+        <p:spPr bwMode="auto">
+          <a:xfrm>
+            <a:off x="983432" y="1124744"/>
+            <a:ext cx="8500180" cy="4777996"/>
+          </a:xfrm>
+          <a:prstGeom prst="rect">
+            <a:avLst/>
+          </a:prstGeom>
+          <a:noFill/>
+          <a:ln>
+            <a:noFill/>
+          </a:ln>
+          <a:effectLst/>
+          <a:extLst>
+            <a:ext uri="{909E8E84-426E-40DD-AFC4-6F175D3DCCD1}">
+              <a14:hiddenFill xmlns:a14="http://schemas.microsoft.com/office/drawing/2010/main">
+                <a:solidFill>
+                  <a:schemeClr val="accent1"/>
+                </a:solidFill>
+              </a14:hiddenFill>
+            </a:ext>
+            <a:ext uri="{91240B29-F687-4F45-9708-019B960494DF}">
+              <a14:hiddenLine xmlns:a14="http://schemas.microsoft.com/office/drawing/2010/main" w="9525">
+                <a:solidFill>
+                  <a:schemeClr val="tx1"/>
+                </a:solidFill>
+                <a:miter lim="800000"/>
+                <a:headEnd/>
+                <a:tailEnd/>
+              </a14:hiddenLine>
+            </a:ext>
+            <a:ext uri="{AF507438-7753-43E0-B8FC-AC1667EBCBE1}">
+              <a14:hiddenEffects xmlns:a14="http://schemas.microsoft.com/office/drawing/2010/main">
+                <a:effectLst>
+                  <a:outerShdw dist="35921" dir="2700000" algn="ctr" rotWithShape="0">
+                    <a:schemeClr val="bg2"/>
+                  </a:outerShdw>
+                </a:effectLst>
+              </a14:hiddenEffects>
+            </a:ext>
+          </a:extLst>
+        </p:spPr>
+      </p:pic>
       <p:sp>
         <p:nvSpPr>
           <p:cNvPr id="3" name="内容占位符 2"/>
@@ -10222,30 +10286,6 @@
           </a:p>
         </p:txBody>
       </p:sp>
-      <p:pic>
-        <p:nvPicPr>
-          <p:cNvPr id="5" name="图片 4"/>
-          <p:cNvPicPr>
-            <a:picLocks noChangeAspect="1"/>
-          </p:cNvPicPr>
-          <p:nvPr/>
-        </p:nvPicPr>
-        <p:blipFill>
-          <a:blip r:embed="rId3"/>
-          <a:stretch>
-            <a:fillRect/>
-          </a:stretch>
-        </p:blipFill>
-        <p:spPr>
-          <a:xfrm>
-            <a:off x="1090930" y="1021715"/>
-            <a:ext cx="8489950" cy="5049520"/>
-          </a:xfrm>
-          <a:prstGeom prst="rect">
-            <a:avLst/>
-          </a:prstGeom>
-        </p:spPr>
-      </p:pic>
       <p:sp>
         <p:nvSpPr>
           <p:cNvPr id="2050" name=" 2050"/>
@@ -10254,7 +10294,7 @@
         </p:nvSpPr>
         <p:spPr bwMode="auto">
           <a:xfrm>
-            <a:off x="5175250" y="3649345"/>
+            <a:off x="5356463" y="3429000"/>
             <a:ext cx="1891665" cy="1659890"/>
           </a:xfrm>
           <a:custGeom>
@@ -49447,7 +49487,7 @@
   <a:extraClrSchemeLst/>
   <a:extLst>
     <a:ext uri="{05A4C25C-085E-4340-85A3-A5531E510DB2}">
-      <thm15:themeFamily xmlns="" xmlns:thm15="http://schemas.microsoft.com/office/thememl/2012/main" name="Office Theme" id="{62F939B6-93AF-4DB8-9C6B-D6C7DFDC589F}" vid="{4A3C46E8-61CC-4603-A589-7422A47A8E4A}"/>
+      <thm15:themeFamily xmlns:thm15="http://schemas.microsoft.com/office/thememl/2012/main" xmlns="" name="Office Theme" id="{62F939B6-93AF-4DB8-9C6B-D6C7DFDC589F}" vid="{4A3C46E8-61CC-4603-A589-7422A47A8E4A}"/>
     </a:ext>
   </a:extLst>
 </a:theme>
@@ -49735,7 +49775,7 @@
   <a:extraClrSchemeLst/>
   <a:extLst>
     <a:ext uri="{05A4C25C-085E-4340-85A3-A5531E510DB2}">
-      <thm15:themeFamily xmlns="" xmlns:thm15="http://schemas.microsoft.com/office/thememl/2012/main" name="Office Theme" id="{62F939B6-93AF-4DB8-9C6B-D6C7DFDC589F}" vid="{4A3C46E8-61CC-4603-A589-7422A47A8E4A}"/>
+      <thm15:themeFamily xmlns:thm15="http://schemas.microsoft.com/office/thememl/2012/main" xmlns="" name="Office Theme" id="{62F939B6-93AF-4DB8-9C6B-D6C7DFDC589F}" vid="{4A3C46E8-61CC-4603-A589-7422A47A8E4A}"/>
     </a:ext>
   </a:extLst>
 </a:theme>

--- a/materials/slides/第二章 JavaScript基础语法.pptx
+++ b/materials/slides/第二章 JavaScript基础语法.pptx
@@ -954,81 +954,7 @@
           <a:bodyPr/>
           <a:lstStyle/>
           <a:p>
-            <a:r>
-              <a:rPr lang="zh-CN" altLang="en-US" dirty="0" smtClean="0"/>
-              <a:t>其中，</a:t>
-            </a:r>
-            <a:r>
-              <a:rPr lang="en-US" altLang="zh-CN" dirty="0" smtClean="0"/>
-              <a:t>document</a:t>
-            </a:r>
-            <a:r>
-              <a:rPr lang="zh-CN" altLang="en-US" dirty="0" smtClean="0"/>
-              <a:t>是</a:t>
-            </a:r>
-            <a:r>
-              <a:rPr lang="en-US" altLang="zh-CN" dirty="0" smtClean="0"/>
-              <a:t>JavaScript</a:t>
-            </a:r>
-            <a:r>
-              <a:rPr lang="zh-CN" altLang="en-US" dirty="0" smtClean="0"/>
-              <a:t>中的一个重要对象，该对象表示整个</a:t>
-            </a:r>
-            <a:r>
-              <a:rPr lang="en-US" altLang="zh-CN" dirty="0" smtClean="0"/>
-              <a:t>HTML</a:t>
-            </a:r>
-            <a:r>
-              <a:rPr lang="zh-CN" altLang="en-US" dirty="0" smtClean="0"/>
-              <a:t>文档，可以通过该对象来访问</a:t>
-            </a:r>
-            <a:r>
-              <a:rPr lang="en-US" altLang="zh-CN" dirty="0" smtClean="0"/>
-              <a:t>HTML</a:t>
-            </a:r>
-            <a:r>
-              <a:rPr lang="zh-CN" altLang="en-US" dirty="0" smtClean="0"/>
-              <a:t>文档中的所有元素。</a:t>
-            </a:r>
-            <a:r>
-              <a:rPr lang="en-US" altLang="zh-CN" dirty="0" smtClean="0"/>
-              <a:t>Write</a:t>
-            </a:r>
-            <a:r>
-              <a:rPr lang="zh-CN" altLang="en-US" dirty="0" smtClean="0"/>
-              <a:t>（）是</a:t>
-            </a:r>
-            <a:r>
-              <a:rPr lang="en-US" altLang="zh-CN" dirty="0" smtClean="0"/>
-              <a:t>document</a:t>
-            </a:r>
-            <a:r>
-              <a:rPr lang="zh-CN" altLang="en-US" dirty="0" smtClean="0"/>
-              <a:t>对象的一个方法，该方法的作用是在网页中输出一行字符串。</a:t>
-            </a:r>
-          </a:p>
-          <a:p>
             <a:endParaRPr lang="zh-CN" altLang="en-US" dirty="0"/>
-          </a:p>
-          <a:p>
-            <a:r>
-              <a:rPr lang="zh-CN" altLang="en-US" dirty="0"/>
-              <a:t>结束分号不是必须的；</a:t>
-            </a:r>
-          </a:p>
-          <a:p>
-            <a:r>
-              <a:rPr lang="zh-CN" altLang="en-US" dirty="0"/>
-              <a:t>如果语句的结尾没有分号。</a:t>
-            </a:r>
-            <a:r>
-              <a:rPr lang="en-US" altLang="zh-CN" dirty="0"/>
-              <a:t>js</a:t>
-            </a:r>
-            <a:r>
-              <a:rPr lang="zh-CN" altLang="en-US" dirty="0"/>
-              <a:t>会自动讲该行代码的结尾作为语句的结尾；</a:t>
-            </a:r>
           </a:p>
         </p:txBody>
       </p:sp>
@@ -1115,81 +1041,7 @@
           <a:bodyPr/>
           <a:lstStyle/>
           <a:p>
-            <a:r>
-              <a:rPr lang="zh-CN" altLang="en-US" dirty="0" smtClean="0"/>
-              <a:t>其中，</a:t>
-            </a:r>
-            <a:r>
-              <a:rPr lang="en-US" altLang="zh-CN" dirty="0" smtClean="0"/>
-              <a:t>document</a:t>
-            </a:r>
-            <a:r>
-              <a:rPr lang="zh-CN" altLang="en-US" dirty="0" smtClean="0"/>
-              <a:t>是</a:t>
-            </a:r>
-            <a:r>
-              <a:rPr lang="en-US" altLang="zh-CN" dirty="0" smtClean="0"/>
-              <a:t>JavaScript</a:t>
-            </a:r>
-            <a:r>
-              <a:rPr lang="zh-CN" altLang="en-US" dirty="0" smtClean="0"/>
-              <a:t>中的一个重要对象，该对象表示整个</a:t>
-            </a:r>
-            <a:r>
-              <a:rPr lang="en-US" altLang="zh-CN" dirty="0" smtClean="0"/>
-              <a:t>HTML</a:t>
-            </a:r>
-            <a:r>
-              <a:rPr lang="zh-CN" altLang="en-US" dirty="0" smtClean="0"/>
-              <a:t>文档，可以通过该对象来访问</a:t>
-            </a:r>
-            <a:r>
-              <a:rPr lang="en-US" altLang="zh-CN" dirty="0" smtClean="0"/>
-              <a:t>HTML</a:t>
-            </a:r>
-            <a:r>
-              <a:rPr lang="zh-CN" altLang="en-US" dirty="0" smtClean="0"/>
-              <a:t>文档中的所有元素。</a:t>
-            </a:r>
-            <a:r>
-              <a:rPr lang="en-US" altLang="zh-CN" dirty="0" smtClean="0"/>
-              <a:t>Write</a:t>
-            </a:r>
-            <a:r>
-              <a:rPr lang="zh-CN" altLang="en-US" dirty="0" smtClean="0"/>
-              <a:t>（）是</a:t>
-            </a:r>
-            <a:r>
-              <a:rPr lang="en-US" altLang="zh-CN" dirty="0" smtClean="0"/>
-              <a:t>document</a:t>
-            </a:r>
-            <a:r>
-              <a:rPr lang="zh-CN" altLang="en-US" dirty="0" smtClean="0"/>
-              <a:t>对象的一个方法，该方法的作用是在网页中输出一行字符串。</a:t>
-            </a:r>
-          </a:p>
-          <a:p>
             <a:endParaRPr lang="zh-CN" altLang="en-US" dirty="0"/>
-          </a:p>
-          <a:p>
-            <a:r>
-              <a:rPr lang="zh-CN" altLang="en-US" dirty="0"/>
-              <a:t>结束分号不是必须的；</a:t>
-            </a:r>
-          </a:p>
-          <a:p>
-            <a:r>
-              <a:rPr lang="zh-CN" altLang="en-US" dirty="0"/>
-              <a:t>如果语句的结尾没有分号。</a:t>
-            </a:r>
-            <a:r>
-              <a:rPr lang="en-US" altLang="zh-CN" dirty="0"/>
-              <a:t>js</a:t>
-            </a:r>
-            <a:r>
-              <a:rPr lang="zh-CN" altLang="en-US" dirty="0"/>
-              <a:t>会自动讲该行代码的结尾作为语句的结尾；</a:t>
-            </a:r>
           </a:p>
         </p:txBody>
       </p:sp>
@@ -1276,81 +1128,7 @@
           <a:bodyPr/>
           <a:lstStyle/>
           <a:p>
-            <a:r>
-              <a:rPr lang="zh-CN" altLang="en-US" dirty="0" smtClean="0"/>
-              <a:t>其中，</a:t>
-            </a:r>
-            <a:r>
-              <a:rPr lang="en-US" altLang="zh-CN" dirty="0" smtClean="0"/>
-              <a:t>document</a:t>
-            </a:r>
-            <a:r>
-              <a:rPr lang="zh-CN" altLang="en-US" dirty="0" smtClean="0"/>
-              <a:t>是</a:t>
-            </a:r>
-            <a:r>
-              <a:rPr lang="en-US" altLang="zh-CN" dirty="0" smtClean="0"/>
-              <a:t>JavaScript</a:t>
-            </a:r>
-            <a:r>
-              <a:rPr lang="zh-CN" altLang="en-US" dirty="0" smtClean="0"/>
-              <a:t>中的一个重要对象，该对象表示整个</a:t>
-            </a:r>
-            <a:r>
-              <a:rPr lang="en-US" altLang="zh-CN" dirty="0" smtClean="0"/>
-              <a:t>HTML</a:t>
-            </a:r>
-            <a:r>
-              <a:rPr lang="zh-CN" altLang="en-US" dirty="0" smtClean="0"/>
-              <a:t>文档，可以通过该对象来访问</a:t>
-            </a:r>
-            <a:r>
-              <a:rPr lang="en-US" altLang="zh-CN" dirty="0" smtClean="0"/>
-              <a:t>HTML</a:t>
-            </a:r>
-            <a:r>
-              <a:rPr lang="zh-CN" altLang="en-US" dirty="0" smtClean="0"/>
-              <a:t>文档中的所有元素。</a:t>
-            </a:r>
-            <a:r>
-              <a:rPr lang="en-US" altLang="zh-CN" dirty="0" smtClean="0"/>
-              <a:t>Write</a:t>
-            </a:r>
-            <a:r>
-              <a:rPr lang="zh-CN" altLang="en-US" dirty="0" smtClean="0"/>
-              <a:t>（）是</a:t>
-            </a:r>
-            <a:r>
-              <a:rPr lang="en-US" altLang="zh-CN" dirty="0" smtClean="0"/>
-              <a:t>document</a:t>
-            </a:r>
-            <a:r>
-              <a:rPr lang="zh-CN" altLang="en-US" dirty="0" smtClean="0"/>
-              <a:t>对象的一个方法，该方法的作用是在网页中输出一行字符串。</a:t>
-            </a:r>
-          </a:p>
-          <a:p>
             <a:endParaRPr lang="zh-CN" altLang="en-US" dirty="0"/>
-          </a:p>
-          <a:p>
-            <a:r>
-              <a:rPr lang="zh-CN" altLang="en-US" dirty="0"/>
-              <a:t>结束分号不是必须的；</a:t>
-            </a:r>
-          </a:p>
-          <a:p>
-            <a:r>
-              <a:rPr lang="zh-CN" altLang="en-US" dirty="0"/>
-              <a:t>如果语句的结尾没有分号。</a:t>
-            </a:r>
-            <a:r>
-              <a:rPr lang="en-US" altLang="zh-CN" dirty="0"/>
-              <a:t>js</a:t>
-            </a:r>
-            <a:r>
-              <a:rPr lang="zh-CN" altLang="en-US" dirty="0"/>
-              <a:t>会自动讲该行代码的结尾作为语句的结尾；</a:t>
-            </a:r>
           </a:p>
         </p:txBody>
       </p:sp>
@@ -2935,79 +2713,27 @@
           <a:p>
             <a:r>
               <a:rPr lang="zh-CN" altLang="en-US" dirty="0" smtClean="0"/>
-              <a:t>其中，</a:t>
+              <a:t>非</a:t>
             </a:r>
             <a:r>
               <a:rPr lang="en-US" altLang="zh-CN" dirty="0" smtClean="0"/>
-              <a:t>document</a:t>
+              <a:t>0</a:t>
             </a:r>
             <a:r>
               <a:rPr lang="zh-CN" altLang="en-US" dirty="0" smtClean="0"/>
-              <a:t>是</a:t>
-            </a:r>
-            <a:r>
-              <a:rPr lang="en-US" altLang="zh-CN" dirty="0" smtClean="0"/>
-              <a:t>JavaScript</a:t>
-            </a:r>
-            <a:r>
-              <a:rPr lang="zh-CN" altLang="en-US" dirty="0" smtClean="0"/>
-              <a:t>中的一个重要对象，该对象表示整个</a:t>
-            </a:r>
-            <a:r>
-              <a:rPr lang="en-US" altLang="zh-CN" dirty="0" smtClean="0"/>
-              <a:t>HTML</a:t>
-            </a:r>
-            <a:r>
-              <a:rPr lang="zh-CN" altLang="en-US" dirty="0" smtClean="0"/>
-              <a:t>文档，可以通过该对象来访问</a:t>
-            </a:r>
-            <a:r>
-              <a:rPr lang="en-US" altLang="zh-CN" dirty="0" smtClean="0"/>
-              <a:t>HTML</a:t>
-            </a:r>
-            <a:r>
-              <a:rPr lang="zh-CN" altLang="en-US" dirty="0" smtClean="0"/>
-              <a:t>文档中的所有元素。</a:t>
-            </a:r>
-            <a:r>
-              <a:rPr lang="en-US" altLang="zh-CN" dirty="0" smtClean="0"/>
-              <a:t>Write</a:t>
-            </a:r>
-            <a:r>
-              <a:rPr lang="zh-CN" altLang="en-US" dirty="0" smtClean="0"/>
-              <a:t>（）是</a:t>
-            </a:r>
-            <a:r>
-              <a:rPr lang="en-US" altLang="zh-CN" dirty="0" smtClean="0"/>
-              <a:t>document</a:t>
-            </a:r>
-            <a:r>
-              <a:rPr lang="zh-CN" altLang="en-US" dirty="0" smtClean="0"/>
-              <a:t>对象的一个方法，该方法的作用是在网页中输出一行字符串。</a:t>
-            </a:r>
-          </a:p>
-          <a:p>
+              <a:t>数字和非空字符串</a:t>
+            </a:r>
+            <a:r>
+              <a:rPr lang="zh-CN" altLang="en-US" baseline="0" dirty="0" smtClean="0"/>
+              <a:t> </a:t>
+            </a:r>
+            <a:r>
+              <a:rPr lang="en-US" altLang="zh-CN" baseline="0" dirty="0" smtClean="0">
+                <a:sym typeface="Wingdings" pitchFamily="2" charset="2"/>
+              </a:rPr>
+              <a:t>true</a:t>
+            </a:r>
             <a:endParaRPr lang="zh-CN" altLang="en-US" dirty="0"/>
-          </a:p>
-          <a:p>
-            <a:r>
-              <a:rPr lang="zh-CN" altLang="en-US" dirty="0"/>
-              <a:t>结束分号不是必须的；</a:t>
-            </a:r>
-          </a:p>
-          <a:p>
-            <a:r>
-              <a:rPr lang="zh-CN" altLang="en-US" dirty="0"/>
-              <a:t>如果语句的结尾没有分号。</a:t>
-            </a:r>
-            <a:r>
-              <a:rPr lang="en-US" altLang="zh-CN" dirty="0"/>
-              <a:t>js</a:t>
-            </a:r>
-            <a:r>
-              <a:rPr lang="zh-CN" altLang="en-US" dirty="0"/>
-              <a:t>会自动讲该行代码的结尾作为语句的结尾；</a:t>
-            </a:r>
           </a:p>
         </p:txBody>
       </p:sp>
@@ -3094,81 +2820,7 @@
           <a:bodyPr/>
           <a:lstStyle/>
           <a:p>
-            <a:r>
-              <a:rPr lang="zh-CN" altLang="en-US" dirty="0" smtClean="0"/>
-              <a:t>其中，</a:t>
-            </a:r>
-            <a:r>
-              <a:rPr lang="en-US" altLang="zh-CN" dirty="0" smtClean="0"/>
-              <a:t>document</a:t>
-            </a:r>
-            <a:r>
-              <a:rPr lang="zh-CN" altLang="en-US" dirty="0" smtClean="0"/>
-              <a:t>是</a:t>
-            </a:r>
-            <a:r>
-              <a:rPr lang="en-US" altLang="zh-CN" dirty="0" smtClean="0"/>
-              <a:t>JavaScript</a:t>
-            </a:r>
-            <a:r>
-              <a:rPr lang="zh-CN" altLang="en-US" dirty="0" smtClean="0"/>
-              <a:t>中的一个重要对象，该对象表示整个</a:t>
-            </a:r>
-            <a:r>
-              <a:rPr lang="en-US" altLang="zh-CN" dirty="0" smtClean="0"/>
-              <a:t>HTML</a:t>
-            </a:r>
-            <a:r>
-              <a:rPr lang="zh-CN" altLang="en-US" dirty="0" smtClean="0"/>
-              <a:t>文档，可以通过该对象来访问</a:t>
-            </a:r>
-            <a:r>
-              <a:rPr lang="en-US" altLang="zh-CN" dirty="0" smtClean="0"/>
-              <a:t>HTML</a:t>
-            </a:r>
-            <a:r>
-              <a:rPr lang="zh-CN" altLang="en-US" dirty="0" smtClean="0"/>
-              <a:t>文档中的所有元素。</a:t>
-            </a:r>
-            <a:r>
-              <a:rPr lang="en-US" altLang="zh-CN" dirty="0" smtClean="0"/>
-              <a:t>Write</a:t>
-            </a:r>
-            <a:r>
-              <a:rPr lang="zh-CN" altLang="en-US" dirty="0" smtClean="0"/>
-              <a:t>（）是</a:t>
-            </a:r>
-            <a:r>
-              <a:rPr lang="en-US" altLang="zh-CN" dirty="0" smtClean="0"/>
-              <a:t>document</a:t>
-            </a:r>
-            <a:r>
-              <a:rPr lang="zh-CN" altLang="en-US" dirty="0" smtClean="0"/>
-              <a:t>对象的一个方法，该方法的作用是在网页中输出一行字符串。</a:t>
-            </a:r>
-          </a:p>
-          <a:p>
             <a:endParaRPr lang="zh-CN" altLang="en-US" dirty="0"/>
-          </a:p>
-          <a:p>
-            <a:r>
-              <a:rPr lang="zh-CN" altLang="en-US" dirty="0"/>
-              <a:t>结束分号不是必须的；</a:t>
-            </a:r>
-          </a:p>
-          <a:p>
-            <a:r>
-              <a:rPr lang="zh-CN" altLang="en-US" dirty="0"/>
-              <a:t>如果语句的结尾没有分号。</a:t>
-            </a:r>
-            <a:r>
-              <a:rPr lang="en-US" altLang="zh-CN" dirty="0"/>
-              <a:t>js</a:t>
-            </a:r>
-            <a:r>
-              <a:rPr lang="zh-CN" altLang="en-US" dirty="0"/>
-              <a:t>会自动讲该行代码的结尾作为语句的结尾；</a:t>
-            </a:r>
           </a:p>
         </p:txBody>
       </p:sp>
@@ -3255,81 +2907,7 @@
           <a:bodyPr/>
           <a:lstStyle/>
           <a:p>
-            <a:r>
-              <a:rPr lang="zh-CN" altLang="en-US" dirty="0" smtClean="0"/>
-              <a:t>其中，</a:t>
-            </a:r>
-            <a:r>
-              <a:rPr lang="en-US" altLang="zh-CN" dirty="0" smtClean="0"/>
-              <a:t>document</a:t>
-            </a:r>
-            <a:r>
-              <a:rPr lang="zh-CN" altLang="en-US" dirty="0" smtClean="0"/>
-              <a:t>是</a:t>
-            </a:r>
-            <a:r>
-              <a:rPr lang="en-US" altLang="zh-CN" dirty="0" smtClean="0"/>
-              <a:t>JavaScript</a:t>
-            </a:r>
-            <a:r>
-              <a:rPr lang="zh-CN" altLang="en-US" dirty="0" smtClean="0"/>
-              <a:t>中的一个重要对象，该对象表示整个</a:t>
-            </a:r>
-            <a:r>
-              <a:rPr lang="en-US" altLang="zh-CN" dirty="0" smtClean="0"/>
-              <a:t>HTML</a:t>
-            </a:r>
-            <a:r>
-              <a:rPr lang="zh-CN" altLang="en-US" dirty="0" smtClean="0"/>
-              <a:t>文档，可以通过该对象来访问</a:t>
-            </a:r>
-            <a:r>
-              <a:rPr lang="en-US" altLang="zh-CN" dirty="0" smtClean="0"/>
-              <a:t>HTML</a:t>
-            </a:r>
-            <a:r>
-              <a:rPr lang="zh-CN" altLang="en-US" dirty="0" smtClean="0"/>
-              <a:t>文档中的所有元素。</a:t>
-            </a:r>
-            <a:r>
-              <a:rPr lang="en-US" altLang="zh-CN" dirty="0" smtClean="0"/>
-              <a:t>Write</a:t>
-            </a:r>
-            <a:r>
-              <a:rPr lang="zh-CN" altLang="en-US" dirty="0" smtClean="0"/>
-              <a:t>（）是</a:t>
-            </a:r>
-            <a:r>
-              <a:rPr lang="en-US" altLang="zh-CN" dirty="0" smtClean="0"/>
-              <a:t>document</a:t>
-            </a:r>
-            <a:r>
-              <a:rPr lang="zh-CN" altLang="en-US" dirty="0" smtClean="0"/>
-              <a:t>对象的一个方法，该方法的作用是在网页中输出一行字符串。</a:t>
-            </a:r>
-          </a:p>
-          <a:p>
             <a:endParaRPr lang="zh-CN" altLang="en-US" dirty="0"/>
-          </a:p>
-          <a:p>
-            <a:r>
-              <a:rPr lang="zh-CN" altLang="en-US" dirty="0"/>
-              <a:t>结束分号不是必须的；</a:t>
-            </a:r>
-          </a:p>
-          <a:p>
-            <a:r>
-              <a:rPr lang="zh-CN" altLang="en-US" dirty="0"/>
-              <a:t>如果语句的结尾没有分号。</a:t>
-            </a:r>
-            <a:r>
-              <a:rPr lang="en-US" altLang="zh-CN" dirty="0"/>
-              <a:t>js</a:t>
-            </a:r>
-            <a:r>
-              <a:rPr lang="zh-CN" altLang="en-US" dirty="0"/>
-              <a:t>会自动讲该行代码的结尾作为语句的结尾；</a:t>
-            </a:r>
           </a:p>
         </p:txBody>
       </p:sp>
@@ -3416,81 +2994,7 @@
           <a:bodyPr/>
           <a:lstStyle/>
           <a:p>
-            <a:r>
-              <a:rPr lang="zh-CN" altLang="en-US" dirty="0" smtClean="0"/>
-              <a:t>其中，</a:t>
-            </a:r>
-            <a:r>
-              <a:rPr lang="en-US" altLang="zh-CN" dirty="0" smtClean="0"/>
-              <a:t>document</a:t>
-            </a:r>
-            <a:r>
-              <a:rPr lang="zh-CN" altLang="en-US" dirty="0" smtClean="0"/>
-              <a:t>是</a:t>
-            </a:r>
-            <a:r>
-              <a:rPr lang="en-US" altLang="zh-CN" dirty="0" smtClean="0"/>
-              <a:t>JavaScript</a:t>
-            </a:r>
-            <a:r>
-              <a:rPr lang="zh-CN" altLang="en-US" dirty="0" smtClean="0"/>
-              <a:t>中的一个重要对象，该对象表示整个</a:t>
-            </a:r>
-            <a:r>
-              <a:rPr lang="en-US" altLang="zh-CN" dirty="0" smtClean="0"/>
-              <a:t>HTML</a:t>
-            </a:r>
-            <a:r>
-              <a:rPr lang="zh-CN" altLang="en-US" dirty="0" smtClean="0"/>
-              <a:t>文档，可以通过该对象来访问</a:t>
-            </a:r>
-            <a:r>
-              <a:rPr lang="en-US" altLang="zh-CN" dirty="0" smtClean="0"/>
-              <a:t>HTML</a:t>
-            </a:r>
-            <a:r>
-              <a:rPr lang="zh-CN" altLang="en-US" dirty="0" smtClean="0"/>
-              <a:t>文档中的所有元素。</a:t>
-            </a:r>
-            <a:r>
-              <a:rPr lang="en-US" altLang="zh-CN" dirty="0" smtClean="0"/>
-              <a:t>Write</a:t>
-            </a:r>
-            <a:r>
-              <a:rPr lang="zh-CN" altLang="en-US" dirty="0" smtClean="0"/>
-              <a:t>（）是</a:t>
-            </a:r>
-            <a:r>
-              <a:rPr lang="en-US" altLang="zh-CN" dirty="0" smtClean="0"/>
-              <a:t>document</a:t>
-            </a:r>
-            <a:r>
-              <a:rPr lang="zh-CN" altLang="en-US" dirty="0" smtClean="0"/>
-              <a:t>对象的一个方法，该方法的作用是在网页中输出一行字符串。</a:t>
-            </a:r>
-          </a:p>
-          <a:p>
             <a:endParaRPr lang="zh-CN" altLang="en-US" dirty="0"/>
-          </a:p>
-          <a:p>
-            <a:r>
-              <a:rPr lang="zh-CN" altLang="en-US" dirty="0"/>
-              <a:t>结束分号不是必须的；</a:t>
-            </a:r>
-          </a:p>
-          <a:p>
-            <a:r>
-              <a:rPr lang="zh-CN" altLang="en-US" dirty="0"/>
-              <a:t>如果语句的结尾没有分号。</a:t>
-            </a:r>
-            <a:r>
-              <a:rPr lang="en-US" altLang="zh-CN" dirty="0"/>
-              <a:t>js</a:t>
-            </a:r>
-            <a:r>
-              <a:rPr lang="zh-CN" altLang="en-US" dirty="0"/>
-              <a:t>会自动讲该行代码的结尾作为语句的结尾；</a:t>
-            </a:r>
           </a:p>
         </p:txBody>
       </p:sp>
@@ -3577,81 +3081,7 @@
           <a:bodyPr/>
           <a:lstStyle/>
           <a:p>
-            <a:r>
-              <a:rPr lang="zh-CN" altLang="en-US" dirty="0" smtClean="0"/>
-              <a:t>其中，</a:t>
-            </a:r>
-            <a:r>
-              <a:rPr lang="en-US" altLang="zh-CN" dirty="0" smtClean="0"/>
-              <a:t>document</a:t>
-            </a:r>
-            <a:r>
-              <a:rPr lang="zh-CN" altLang="en-US" dirty="0" smtClean="0"/>
-              <a:t>是</a:t>
-            </a:r>
-            <a:r>
-              <a:rPr lang="en-US" altLang="zh-CN" dirty="0" smtClean="0"/>
-              <a:t>JavaScript</a:t>
-            </a:r>
-            <a:r>
-              <a:rPr lang="zh-CN" altLang="en-US" dirty="0" smtClean="0"/>
-              <a:t>中的一个重要对象，该对象表示整个</a:t>
-            </a:r>
-            <a:r>
-              <a:rPr lang="en-US" altLang="zh-CN" dirty="0" smtClean="0"/>
-              <a:t>HTML</a:t>
-            </a:r>
-            <a:r>
-              <a:rPr lang="zh-CN" altLang="en-US" dirty="0" smtClean="0"/>
-              <a:t>文档，可以通过该对象来访问</a:t>
-            </a:r>
-            <a:r>
-              <a:rPr lang="en-US" altLang="zh-CN" dirty="0" smtClean="0"/>
-              <a:t>HTML</a:t>
-            </a:r>
-            <a:r>
-              <a:rPr lang="zh-CN" altLang="en-US" dirty="0" smtClean="0"/>
-              <a:t>文档中的所有元素。</a:t>
-            </a:r>
-            <a:r>
-              <a:rPr lang="en-US" altLang="zh-CN" dirty="0" smtClean="0"/>
-              <a:t>Write</a:t>
-            </a:r>
-            <a:r>
-              <a:rPr lang="zh-CN" altLang="en-US" dirty="0" smtClean="0"/>
-              <a:t>（）是</a:t>
-            </a:r>
-            <a:r>
-              <a:rPr lang="en-US" altLang="zh-CN" dirty="0" smtClean="0"/>
-              <a:t>document</a:t>
-            </a:r>
-            <a:r>
-              <a:rPr lang="zh-CN" altLang="en-US" dirty="0" smtClean="0"/>
-              <a:t>对象的一个方法，该方法的作用是在网页中输出一行字符串。</a:t>
-            </a:r>
-          </a:p>
-          <a:p>
             <a:endParaRPr lang="zh-CN" altLang="en-US" dirty="0"/>
-          </a:p>
-          <a:p>
-            <a:r>
-              <a:rPr lang="zh-CN" altLang="en-US" dirty="0"/>
-              <a:t>结束分号不是必须的；</a:t>
-            </a:r>
-          </a:p>
-          <a:p>
-            <a:r>
-              <a:rPr lang="zh-CN" altLang="en-US" dirty="0"/>
-              <a:t>如果语句的结尾没有分号。</a:t>
-            </a:r>
-            <a:r>
-              <a:rPr lang="en-US" altLang="zh-CN" dirty="0"/>
-              <a:t>js</a:t>
-            </a:r>
-            <a:r>
-              <a:rPr lang="zh-CN" altLang="en-US" dirty="0"/>
-              <a:t>会自动讲该行代码的结尾作为语句的结尾；</a:t>
-            </a:r>
           </a:p>
         </p:txBody>
       </p:sp>
@@ -4026,81 +3456,7 @@
           <a:bodyPr/>
           <a:lstStyle/>
           <a:p>
-            <a:r>
-              <a:rPr lang="zh-CN" altLang="en-US" dirty="0" smtClean="0"/>
-              <a:t>其中，</a:t>
-            </a:r>
-            <a:r>
-              <a:rPr lang="en-US" altLang="zh-CN" dirty="0" smtClean="0"/>
-              <a:t>document</a:t>
-            </a:r>
-            <a:r>
-              <a:rPr lang="zh-CN" altLang="en-US" dirty="0" smtClean="0"/>
-              <a:t>是</a:t>
-            </a:r>
-            <a:r>
-              <a:rPr lang="en-US" altLang="zh-CN" dirty="0" smtClean="0"/>
-              <a:t>JavaScript</a:t>
-            </a:r>
-            <a:r>
-              <a:rPr lang="zh-CN" altLang="en-US" dirty="0" smtClean="0"/>
-              <a:t>中的一个重要对象，该对象表示整个</a:t>
-            </a:r>
-            <a:r>
-              <a:rPr lang="en-US" altLang="zh-CN" dirty="0" smtClean="0"/>
-              <a:t>HTML</a:t>
-            </a:r>
-            <a:r>
-              <a:rPr lang="zh-CN" altLang="en-US" dirty="0" smtClean="0"/>
-              <a:t>文档，可以通过该对象来访问</a:t>
-            </a:r>
-            <a:r>
-              <a:rPr lang="en-US" altLang="zh-CN" dirty="0" smtClean="0"/>
-              <a:t>HTML</a:t>
-            </a:r>
-            <a:r>
-              <a:rPr lang="zh-CN" altLang="en-US" dirty="0" smtClean="0"/>
-              <a:t>文档中的所有元素。</a:t>
-            </a:r>
-            <a:r>
-              <a:rPr lang="en-US" altLang="zh-CN" dirty="0" smtClean="0"/>
-              <a:t>Write</a:t>
-            </a:r>
-            <a:r>
-              <a:rPr lang="zh-CN" altLang="en-US" dirty="0" smtClean="0"/>
-              <a:t>（）是</a:t>
-            </a:r>
-            <a:r>
-              <a:rPr lang="en-US" altLang="zh-CN" dirty="0" smtClean="0"/>
-              <a:t>document</a:t>
-            </a:r>
-            <a:r>
-              <a:rPr lang="zh-CN" altLang="en-US" dirty="0" smtClean="0"/>
-              <a:t>对象的一个方法，该方法的作用是在网页中输出一行字符串。</a:t>
-            </a:r>
-          </a:p>
-          <a:p>
             <a:endParaRPr lang="zh-CN" altLang="en-US" dirty="0"/>
-          </a:p>
-          <a:p>
-            <a:r>
-              <a:rPr lang="zh-CN" altLang="en-US" dirty="0"/>
-              <a:t>结束分号不是必须的；</a:t>
-            </a:r>
-          </a:p>
-          <a:p>
-            <a:r>
-              <a:rPr lang="zh-CN" altLang="en-US" dirty="0"/>
-              <a:t>如果语句的结尾没有分号。</a:t>
-            </a:r>
-            <a:r>
-              <a:rPr lang="en-US" altLang="zh-CN" dirty="0"/>
-              <a:t>js</a:t>
-            </a:r>
-            <a:r>
-              <a:rPr lang="zh-CN" altLang="en-US" dirty="0"/>
-              <a:t>会自动讲该行代码的结尾作为语句的结尾；</a:t>
-            </a:r>
           </a:p>
         </p:txBody>
       </p:sp>
@@ -4187,81 +3543,7 @@
           <a:bodyPr/>
           <a:lstStyle/>
           <a:p>
-            <a:r>
-              <a:rPr lang="zh-CN" altLang="en-US" dirty="0" smtClean="0"/>
-              <a:t>其中，</a:t>
-            </a:r>
-            <a:r>
-              <a:rPr lang="en-US" altLang="zh-CN" dirty="0" smtClean="0"/>
-              <a:t>document</a:t>
-            </a:r>
-            <a:r>
-              <a:rPr lang="zh-CN" altLang="en-US" dirty="0" smtClean="0"/>
-              <a:t>是</a:t>
-            </a:r>
-            <a:r>
-              <a:rPr lang="en-US" altLang="zh-CN" dirty="0" smtClean="0"/>
-              <a:t>JavaScript</a:t>
-            </a:r>
-            <a:r>
-              <a:rPr lang="zh-CN" altLang="en-US" dirty="0" smtClean="0"/>
-              <a:t>中的一个重要对象，该对象表示整个</a:t>
-            </a:r>
-            <a:r>
-              <a:rPr lang="en-US" altLang="zh-CN" dirty="0" smtClean="0"/>
-              <a:t>HTML</a:t>
-            </a:r>
-            <a:r>
-              <a:rPr lang="zh-CN" altLang="en-US" dirty="0" smtClean="0"/>
-              <a:t>文档，可以通过该对象来访问</a:t>
-            </a:r>
-            <a:r>
-              <a:rPr lang="en-US" altLang="zh-CN" dirty="0" smtClean="0"/>
-              <a:t>HTML</a:t>
-            </a:r>
-            <a:r>
-              <a:rPr lang="zh-CN" altLang="en-US" dirty="0" smtClean="0"/>
-              <a:t>文档中的所有元素。</a:t>
-            </a:r>
-            <a:r>
-              <a:rPr lang="en-US" altLang="zh-CN" dirty="0" smtClean="0"/>
-              <a:t>Write</a:t>
-            </a:r>
-            <a:r>
-              <a:rPr lang="zh-CN" altLang="en-US" dirty="0" smtClean="0"/>
-              <a:t>（）是</a:t>
-            </a:r>
-            <a:r>
-              <a:rPr lang="en-US" altLang="zh-CN" dirty="0" smtClean="0"/>
-              <a:t>document</a:t>
-            </a:r>
-            <a:r>
-              <a:rPr lang="zh-CN" altLang="en-US" dirty="0" smtClean="0"/>
-              <a:t>对象的一个方法，该方法的作用是在网页中输出一行字符串。</a:t>
-            </a:r>
-          </a:p>
-          <a:p>
             <a:endParaRPr lang="zh-CN" altLang="en-US" dirty="0"/>
-          </a:p>
-          <a:p>
-            <a:r>
-              <a:rPr lang="zh-CN" altLang="en-US" dirty="0"/>
-              <a:t>结束分号不是必须的；</a:t>
-            </a:r>
-          </a:p>
-          <a:p>
-            <a:r>
-              <a:rPr lang="zh-CN" altLang="en-US" dirty="0"/>
-              <a:t>如果语句的结尾没有分号。</a:t>
-            </a:r>
-            <a:r>
-              <a:rPr lang="en-US" altLang="zh-CN" dirty="0"/>
-              <a:t>js</a:t>
-            </a:r>
-            <a:r>
-              <a:rPr lang="zh-CN" altLang="en-US" dirty="0"/>
-              <a:t>会自动讲该行代码的结尾作为语句的结尾；</a:t>
-            </a:r>
           </a:p>
         </p:txBody>
       </p:sp>
@@ -4348,81 +3630,7 @@
           <a:bodyPr/>
           <a:lstStyle/>
           <a:p>
-            <a:r>
-              <a:rPr lang="zh-CN" altLang="en-US" dirty="0" smtClean="0"/>
-              <a:t>其中，</a:t>
-            </a:r>
-            <a:r>
-              <a:rPr lang="en-US" altLang="zh-CN" dirty="0" smtClean="0"/>
-              <a:t>document</a:t>
-            </a:r>
-            <a:r>
-              <a:rPr lang="zh-CN" altLang="en-US" dirty="0" smtClean="0"/>
-              <a:t>是</a:t>
-            </a:r>
-            <a:r>
-              <a:rPr lang="en-US" altLang="zh-CN" dirty="0" smtClean="0"/>
-              <a:t>JavaScript</a:t>
-            </a:r>
-            <a:r>
-              <a:rPr lang="zh-CN" altLang="en-US" dirty="0" smtClean="0"/>
-              <a:t>中的一个重要对象，该对象表示整个</a:t>
-            </a:r>
-            <a:r>
-              <a:rPr lang="en-US" altLang="zh-CN" dirty="0" smtClean="0"/>
-              <a:t>HTML</a:t>
-            </a:r>
-            <a:r>
-              <a:rPr lang="zh-CN" altLang="en-US" dirty="0" smtClean="0"/>
-              <a:t>文档，可以通过该对象来访问</a:t>
-            </a:r>
-            <a:r>
-              <a:rPr lang="en-US" altLang="zh-CN" dirty="0" smtClean="0"/>
-              <a:t>HTML</a:t>
-            </a:r>
-            <a:r>
-              <a:rPr lang="zh-CN" altLang="en-US" dirty="0" smtClean="0"/>
-              <a:t>文档中的所有元素。</a:t>
-            </a:r>
-            <a:r>
-              <a:rPr lang="en-US" altLang="zh-CN" dirty="0" smtClean="0"/>
-              <a:t>Write</a:t>
-            </a:r>
-            <a:r>
-              <a:rPr lang="zh-CN" altLang="en-US" dirty="0" smtClean="0"/>
-              <a:t>（）是</a:t>
-            </a:r>
-            <a:r>
-              <a:rPr lang="en-US" altLang="zh-CN" dirty="0" smtClean="0"/>
-              <a:t>document</a:t>
-            </a:r>
-            <a:r>
-              <a:rPr lang="zh-CN" altLang="en-US" dirty="0" smtClean="0"/>
-              <a:t>对象的一个方法，该方法的作用是在网页中输出一行字符串。</a:t>
-            </a:r>
-          </a:p>
-          <a:p>
             <a:endParaRPr lang="zh-CN" altLang="en-US" dirty="0"/>
-          </a:p>
-          <a:p>
-            <a:r>
-              <a:rPr lang="zh-CN" altLang="en-US" dirty="0"/>
-              <a:t>结束分号不是必须的；</a:t>
-            </a:r>
-          </a:p>
-          <a:p>
-            <a:r>
-              <a:rPr lang="zh-CN" altLang="en-US" dirty="0"/>
-              <a:t>如果语句的结尾没有分号。</a:t>
-            </a:r>
-            <a:r>
-              <a:rPr lang="en-US" altLang="zh-CN" dirty="0"/>
-              <a:t>js</a:t>
-            </a:r>
-            <a:r>
-              <a:rPr lang="zh-CN" altLang="en-US" dirty="0"/>
-              <a:t>会自动讲该行代码的结尾作为语句的结尾；</a:t>
-            </a:r>
           </a:p>
         </p:txBody>
       </p:sp>
@@ -4694,197 +3902,6 @@
         <p:txBody>
           <a:bodyPr/>
           <a:lstStyle/>
-          <a:p>
-            <a:r>
-              <a:rPr lang="en-US" altLang="zh-CN" i="1" dirty="0" smtClean="0"/>
-              <a:t>if </a:t>
-            </a:r>
-            <a:r>
-              <a:rPr lang="zh-CN" altLang="en-US" i="1" dirty="0" smtClean="0"/>
-              <a:t>语句</a:t>
-            </a:r>
-            <a:r>
-              <a:rPr lang="zh-CN" altLang="en-US" dirty="0" smtClean="0"/>
-              <a:t> </a:t>
-            </a:r>
-            <a:r>
-              <a:rPr lang="en-US" altLang="zh-CN" dirty="0" smtClean="0"/>
-              <a:t>- </a:t>
-            </a:r>
-            <a:r>
-              <a:rPr lang="zh-CN" altLang="en-US" dirty="0" smtClean="0"/>
-              <a:t>只有当指定条件为 </a:t>
-            </a:r>
-            <a:r>
-              <a:rPr lang="en-US" altLang="zh-CN" dirty="0" smtClean="0"/>
-              <a:t>true </a:t>
-            </a:r>
-            <a:r>
-              <a:rPr lang="zh-CN" altLang="en-US" dirty="0" smtClean="0"/>
-              <a:t>时，使用该语句来执行代码 </a:t>
-            </a:r>
-          </a:p>
-          <a:p>
-            <a:r>
-              <a:rPr lang="en-US" altLang="zh-CN" i="1" dirty="0" smtClean="0"/>
-              <a:t>if...else </a:t>
-            </a:r>
-            <a:r>
-              <a:rPr lang="zh-CN" altLang="en-US" i="1" dirty="0" smtClean="0"/>
-              <a:t>语句</a:t>
-            </a:r>
-            <a:r>
-              <a:rPr lang="zh-CN" altLang="en-US" dirty="0" smtClean="0"/>
-              <a:t> </a:t>
-            </a:r>
-            <a:r>
-              <a:rPr lang="en-US" altLang="zh-CN" dirty="0" smtClean="0"/>
-              <a:t>- </a:t>
-            </a:r>
-            <a:r>
-              <a:rPr lang="zh-CN" altLang="en-US" dirty="0" smtClean="0"/>
-              <a:t>当条件为 </a:t>
-            </a:r>
-            <a:r>
-              <a:rPr lang="en-US" altLang="zh-CN" dirty="0" smtClean="0"/>
-              <a:t>true </a:t>
-            </a:r>
-            <a:r>
-              <a:rPr lang="zh-CN" altLang="en-US" dirty="0" smtClean="0"/>
-              <a:t>时执行代码，当条件为 </a:t>
-            </a:r>
-            <a:r>
-              <a:rPr lang="en-US" altLang="zh-CN" dirty="0" smtClean="0"/>
-              <a:t>false </a:t>
-            </a:r>
-            <a:r>
-              <a:rPr lang="zh-CN" altLang="en-US" dirty="0" smtClean="0"/>
-              <a:t>时执行其他代码 </a:t>
-            </a:r>
-          </a:p>
-          <a:p>
-            <a:r>
-              <a:rPr lang="en-US" altLang="zh-CN" i="1" dirty="0" smtClean="0"/>
-              <a:t>if...else if....else </a:t>
-            </a:r>
-            <a:r>
-              <a:rPr lang="zh-CN" altLang="en-US" i="1" dirty="0" smtClean="0"/>
-              <a:t>语句</a:t>
-            </a:r>
-            <a:r>
-              <a:rPr lang="zh-CN" altLang="en-US" dirty="0" smtClean="0"/>
-              <a:t> </a:t>
-            </a:r>
-            <a:r>
-              <a:rPr lang="en-US" altLang="zh-CN" dirty="0" smtClean="0"/>
-              <a:t>- </a:t>
-            </a:r>
-            <a:r>
-              <a:rPr lang="zh-CN" altLang="en-US" dirty="0" smtClean="0"/>
-              <a:t>使用该语句来选择多个代码块之一来执行 </a:t>
-            </a:r>
-          </a:p>
-          <a:p>
-            <a:r>
-              <a:rPr lang="en-US" altLang="zh-CN" i="1" dirty="0" smtClean="0"/>
-              <a:t>switch </a:t>
-            </a:r>
-            <a:r>
-              <a:rPr lang="zh-CN" altLang="en-US" i="1" dirty="0" smtClean="0"/>
-              <a:t>语句</a:t>
-            </a:r>
-            <a:r>
-              <a:rPr lang="zh-CN" altLang="en-US" dirty="0" smtClean="0"/>
-              <a:t> </a:t>
-            </a:r>
-            <a:r>
-              <a:rPr lang="en-US" altLang="zh-CN" dirty="0" smtClean="0"/>
-              <a:t>- </a:t>
-            </a:r>
-            <a:r>
-              <a:rPr lang="zh-CN" altLang="en-US" dirty="0" smtClean="0"/>
-              <a:t>使用该语句来选择多个代码块之一来执行</a:t>
-            </a:r>
-          </a:p>
-          <a:p>
-            <a:endParaRPr lang="zh-CN" altLang="en-US" dirty="0" smtClean="0"/>
-          </a:p>
-          <a:p>
-            <a:endParaRPr lang="zh-CN" altLang="en-US" dirty="0" smtClean="0"/>
-          </a:p>
-          <a:p>
-            <a:endParaRPr lang="zh-CN" altLang="en-US" dirty="0" smtClean="0"/>
-          </a:p>
-          <a:p>
-            <a:pPr lvl="1"/>
-            <a:r>
-              <a:rPr lang="en-US" altLang="zh-CN">
-                <a:solidFill>
-                  <a:schemeClr val="bg1"/>
-                </a:solidFill>
-                <a:sym typeface="+mn-ea"/>
-              </a:rPr>
-              <a:t>if...else...</a:t>
-            </a:r>
-            <a:r>
-              <a:rPr lang="zh-CN" altLang="zh-CN">
-                <a:solidFill>
-                  <a:schemeClr val="bg1"/>
-                </a:solidFill>
-                <a:sym typeface="+mn-ea"/>
-              </a:rPr>
-              <a:t>可以判定相等或不等的情况，适用性广</a:t>
-            </a:r>
-            <a:endParaRPr lang="zh-CN" altLang="zh-CN">
-              <a:solidFill>
-                <a:schemeClr val="bg1"/>
-              </a:solidFill>
-            </a:endParaRPr>
-          </a:p>
-          <a:p>
-            <a:pPr lvl="1"/>
-            <a:r>
-              <a:rPr lang="en-US" altLang="zh-CN">
-                <a:solidFill>
-                  <a:srgbClr val="FF0000"/>
-                </a:solidFill>
-                <a:sym typeface="+mn-ea"/>
-              </a:rPr>
-              <a:t>switch...case...</a:t>
-            </a:r>
-            <a:r>
-              <a:rPr lang="zh-CN" altLang="en-US">
-                <a:solidFill>
-                  <a:srgbClr val="FF0000"/>
-                </a:solidFill>
-                <a:sym typeface="+mn-ea"/>
-              </a:rPr>
-              <a:t>结构更清晰、效率更高</a:t>
-            </a:r>
-            <a:r>
-              <a:rPr lang="en-US" altLang="zh-CN">
-                <a:solidFill>
-                  <a:srgbClr val="FF0000"/>
-                </a:solidFill>
-                <a:sym typeface="+mn-ea"/>
-              </a:rPr>
-              <a:t>;</a:t>
-            </a:r>
-            <a:r>
-              <a:rPr lang="zh-CN" altLang="en-US">
-                <a:solidFill>
-                  <a:srgbClr val="FF0000"/>
-                </a:solidFill>
-                <a:sym typeface="+mn-ea"/>
-              </a:rPr>
-              <a:t>但是一般只用于指定变量相等于某个范围内的某个特定的值</a:t>
-            </a:r>
-            <a:endParaRPr lang="zh-CN" altLang="en-US">
-              <a:solidFill>
-                <a:srgbClr val="FF0000"/>
-              </a:solidFill>
-            </a:endParaRPr>
-          </a:p>
           <a:p>
             <a:endParaRPr lang="zh-CN" altLang="en-US" dirty="0" smtClean="0"/>
           </a:p>
@@ -4973,81 +3990,7 @@
           <a:bodyPr/>
           <a:lstStyle/>
           <a:p>
-            <a:r>
-              <a:rPr lang="zh-CN" altLang="en-US" dirty="0" smtClean="0"/>
-              <a:t>其中，</a:t>
-            </a:r>
-            <a:r>
-              <a:rPr lang="en-US" altLang="zh-CN" dirty="0" smtClean="0"/>
-              <a:t>document</a:t>
-            </a:r>
-            <a:r>
-              <a:rPr lang="zh-CN" altLang="en-US" dirty="0" smtClean="0"/>
-              <a:t>是</a:t>
-            </a:r>
-            <a:r>
-              <a:rPr lang="en-US" altLang="zh-CN" dirty="0" smtClean="0"/>
-              <a:t>JavaScript</a:t>
-            </a:r>
-            <a:r>
-              <a:rPr lang="zh-CN" altLang="en-US" dirty="0" smtClean="0"/>
-              <a:t>中的一个重要对象，该对象表示整个</a:t>
-            </a:r>
-            <a:r>
-              <a:rPr lang="en-US" altLang="zh-CN" dirty="0" smtClean="0"/>
-              <a:t>HTML</a:t>
-            </a:r>
-            <a:r>
-              <a:rPr lang="zh-CN" altLang="en-US" dirty="0" smtClean="0"/>
-              <a:t>文档，可以通过该对象来访问</a:t>
-            </a:r>
-            <a:r>
-              <a:rPr lang="en-US" altLang="zh-CN" dirty="0" smtClean="0"/>
-              <a:t>HTML</a:t>
-            </a:r>
-            <a:r>
-              <a:rPr lang="zh-CN" altLang="en-US" dirty="0" smtClean="0"/>
-              <a:t>文档中的所有元素。</a:t>
-            </a:r>
-            <a:r>
-              <a:rPr lang="en-US" altLang="zh-CN" dirty="0" smtClean="0"/>
-              <a:t>Write</a:t>
-            </a:r>
-            <a:r>
-              <a:rPr lang="zh-CN" altLang="en-US" dirty="0" smtClean="0"/>
-              <a:t>（）是</a:t>
-            </a:r>
-            <a:r>
-              <a:rPr lang="en-US" altLang="zh-CN" dirty="0" smtClean="0"/>
-              <a:t>document</a:t>
-            </a:r>
-            <a:r>
-              <a:rPr lang="zh-CN" altLang="en-US" dirty="0" smtClean="0"/>
-              <a:t>对象的一个方法，该方法的作用是在网页中输出一行字符串。</a:t>
-            </a:r>
-          </a:p>
-          <a:p>
             <a:endParaRPr lang="zh-CN" altLang="en-US" dirty="0"/>
-          </a:p>
-          <a:p>
-            <a:r>
-              <a:rPr lang="zh-CN" altLang="en-US" dirty="0"/>
-              <a:t>结束分号不是必须的；</a:t>
-            </a:r>
-          </a:p>
-          <a:p>
-            <a:r>
-              <a:rPr lang="zh-CN" altLang="en-US" dirty="0"/>
-              <a:t>如果语句的结尾没有分号。</a:t>
-            </a:r>
-            <a:r>
-              <a:rPr lang="en-US" altLang="zh-CN" dirty="0"/>
-              <a:t>js</a:t>
-            </a:r>
-            <a:r>
-              <a:rPr lang="zh-CN" altLang="en-US" dirty="0"/>
-              <a:t>会自动讲该行代码的结尾作为语句的结尾；</a:t>
-            </a:r>
           </a:p>
         </p:txBody>
       </p:sp>
@@ -5134,81 +4077,7 @@
           <a:bodyPr/>
           <a:lstStyle/>
           <a:p>
-            <a:r>
-              <a:rPr lang="zh-CN" altLang="en-US" dirty="0" smtClean="0"/>
-              <a:t>其中，</a:t>
-            </a:r>
-            <a:r>
-              <a:rPr lang="en-US" altLang="zh-CN" dirty="0" smtClean="0"/>
-              <a:t>document</a:t>
-            </a:r>
-            <a:r>
-              <a:rPr lang="zh-CN" altLang="en-US" dirty="0" smtClean="0"/>
-              <a:t>是</a:t>
-            </a:r>
-            <a:r>
-              <a:rPr lang="en-US" altLang="zh-CN" dirty="0" smtClean="0"/>
-              <a:t>JavaScript</a:t>
-            </a:r>
-            <a:r>
-              <a:rPr lang="zh-CN" altLang="en-US" dirty="0" smtClean="0"/>
-              <a:t>中的一个重要对象，该对象表示整个</a:t>
-            </a:r>
-            <a:r>
-              <a:rPr lang="en-US" altLang="zh-CN" dirty="0" smtClean="0"/>
-              <a:t>HTML</a:t>
-            </a:r>
-            <a:r>
-              <a:rPr lang="zh-CN" altLang="en-US" dirty="0" smtClean="0"/>
-              <a:t>文档，可以通过该对象来访问</a:t>
-            </a:r>
-            <a:r>
-              <a:rPr lang="en-US" altLang="zh-CN" dirty="0" smtClean="0"/>
-              <a:t>HTML</a:t>
-            </a:r>
-            <a:r>
-              <a:rPr lang="zh-CN" altLang="en-US" dirty="0" smtClean="0"/>
-              <a:t>文档中的所有元素。</a:t>
-            </a:r>
-            <a:r>
-              <a:rPr lang="en-US" altLang="zh-CN" dirty="0" smtClean="0"/>
-              <a:t>Write</a:t>
-            </a:r>
-            <a:r>
-              <a:rPr lang="zh-CN" altLang="en-US" dirty="0" smtClean="0"/>
-              <a:t>（）是</a:t>
-            </a:r>
-            <a:r>
-              <a:rPr lang="en-US" altLang="zh-CN" dirty="0" smtClean="0"/>
-              <a:t>document</a:t>
-            </a:r>
-            <a:r>
-              <a:rPr lang="zh-CN" altLang="en-US" dirty="0" smtClean="0"/>
-              <a:t>对象的一个方法，该方法的作用是在网页中输出一行字符串。</a:t>
-            </a:r>
-          </a:p>
-          <a:p>
             <a:endParaRPr lang="zh-CN" altLang="en-US" dirty="0"/>
-          </a:p>
-          <a:p>
-            <a:r>
-              <a:rPr lang="zh-CN" altLang="en-US" dirty="0"/>
-              <a:t>结束分号不是必须的；</a:t>
-            </a:r>
-          </a:p>
-          <a:p>
-            <a:r>
-              <a:rPr lang="zh-CN" altLang="en-US" dirty="0"/>
-              <a:t>如果语句的结尾没有分号。</a:t>
-            </a:r>
-            <a:r>
-              <a:rPr lang="en-US" altLang="zh-CN" dirty="0"/>
-              <a:t>js</a:t>
-            </a:r>
-            <a:r>
-              <a:rPr lang="zh-CN" altLang="en-US" dirty="0"/>
-              <a:t>会自动讲该行代码的结尾作为语句的结尾；</a:t>
-            </a:r>
           </a:p>
         </p:txBody>
       </p:sp>
@@ -5295,81 +4164,7 @@
           <a:bodyPr/>
           <a:lstStyle/>
           <a:p>
-            <a:r>
-              <a:rPr lang="zh-CN" altLang="en-US" dirty="0" smtClean="0"/>
-              <a:t>其中，</a:t>
-            </a:r>
-            <a:r>
-              <a:rPr lang="en-US" altLang="zh-CN" dirty="0" smtClean="0"/>
-              <a:t>document</a:t>
-            </a:r>
-            <a:r>
-              <a:rPr lang="zh-CN" altLang="en-US" dirty="0" smtClean="0"/>
-              <a:t>是</a:t>
-            </a:r>
-            <a:r>
-              <a:rPr lang="en-US" altLang="zh-CN" dirty="0" smtClean="0"/>
-              <a:t>JavaScript</a:t>
-            </a:r>
-            <a:r>
-              <a:rPr lang="zh-CN" altLang="en-US" dirty="0" smtClean="0"/>
-              <a:t>中的一个重要对象，该对象表示整个</a:t>
-            </a:r>
-            <a:r>
-              <a:rPr lang="en-US" altLang="zh-CN" dirty="0" smtClean="0"/>
-              <a:t>HTML</a:t>
-            </a:r>
-            <a:r>
-              <a:rPr lang="zh-CN" altLang="en-US" dirty="0" smtClean="0"/>
-              <a:t>文档，可以通过该对象来访问</a:t>
-            </a:r>
-            <a:r>
-              <a:rPr lang="en-US" altLang="zh-CN" dirty="0" smtClean="0"/>
-              <a:t>HTML</a:t>
-            </a:r>
-            <a:r>
-              <a:rPr lang="zh-CN" altLang="en-US" dirty="0" smtClean="0"/>
-              <a:t>文档中的所有元素。</a:t>
-            </a:r>
-            <a:r>
-              <a:rPr lang="en-US" altLang="zh-CN" dirty="0" smtClean="0"/>
-              <a:t>Write</a:t>
-            </a:r>
-            <a:r>
-              <a:rPr lang="zh-CN" altLang="en-US" dirty="0" smtClean="0"/>
-              <a:t>（）是</a:t>
-            </a:r>
-            <a:r>
-              <a:rPr lang="en-US" altLang="zh-CN" dirty="0" smtClean="0"/>
-              <a:t>document</a:t>
-            </a:r>
-            <a:r>
-              <a:rPr lang="zh-CN" altLang="en-US" dirty="0" smtClean="0"/>
-              <a:t>对象的一个方法，该方法的作用是在网页中输出一行字符串。</a:t>
-            </a:r>
-          </a:p>
-          <a:p>
             <a:endParaRPr lang="zh-CN" altLang="en-US" dirty="0"/>
-          </a:p>
-          <a:p>
-            <a:r>
-              <a:rPr lang="zh-CN" altLang="en-US" dirty="0"/>
-              <a:t>结束分号不是必须的；</a:t>
-            </a:r>
-          </a:p>
-          <a:p>
-            <a:r>
-              <a:rPr lang="zh-CN" altLang="en-US" dirty="0"/>
-              <a:t>如果语句的结尾没有分号。</a:t>
-            </a:r>
-            <a:r>
-              <a:rPr lang="en-US" altLang="zh-CN" dirty="0"/>
-              <a:t>js</a:t>
-            </a:r>
-            <a:r>
-              <a:rPr lang="zh-CN" altLang="en-US" dirty="0"/>
-              <a:t>会自动讲该行代码的结尾作为语句的结尾；</a:t>
-            </a:r>
           </a:p>
         </p:txBody>
       </p:sp>
@@ -5456,81 +4251,7 @@
           <a:bodyPr/>
           <a:lstStyle/>
           <a:p>
-            <a:r>
-              <a:rPr lang="zh-CN" altLang="en-US" dirty="0" smtClean="0"/>
-              <a:t>其中，</a:t>
-            </a:r>
-            <a:r>
-              <a:rPr lang="en-US" altLang="zh-CN" dirty="0" smtClean="0"/>
-              <a:t>document</a:t>
-            </a:r>
-            <a:r>
-              <a:rPr lang="zh-CN" altLang="en-US" dirty="0" smtClean="0"/>
-              <a:t>是</a:t>
-            </a:r>
-            <a:r>
-              <a:rPr lang="en-US" altLang="zh-CN" dirty="0" smtClean="0"/>
-              <a:t>JavaScript</a:t>
-            </a:r>
-            <a:r>
-              <a:rPr lang="zh-CN" altLang="en-US" dirty="0" smtClean="0"/>
-              <a:t>中的一个重要对象，该对象表示整个</a:t>
-            </a:r>
-            <a:r>
-              <a:rPr lang="en-US" altLang="zh-CN" dirty="0" smtClean="0"/>
-              <a:t>HTML</a:t>
-            </a:r>
-            <a:r>
-              <a:rPr lang="zh-CN" altLang="en-US" dirty="0" smtClean="0"/>
-              <a:t>文档，可以通过该对象来访问</a:t>
-            </a:r>
-            <a:r>
-              <a:rPr lang="en-US" altLang="zh-CN" dirty="0" smtClean="0"/>
-              <a:t>HTML</a:t>
-            </a:r>
-            <a:r>
-              <a:rPr lang="zh-CN" altLang="en-US" dirty="0" smtClean="0"/>
-              <a:t>文档中的所有元素。</a:t>
-            </a:r>
-            <a:r>
-              <a:rPr lang="en-US" altLang="zh-CN" dirty="0" smtClean="0"/>
-              <a:t>Write</a:t>
-            </a:r>
-            <a:r>
-              <a:rPr lang="zh-CN" altLang="en-US" dirty="0" smtClean="0"/>
-              <a:t>（）是</a:t>
-            </a:r>
-            <a:r>
-              <a:rPr lang="en-US" altLang="zh-CN" dirty="0" smtClean="0"/>
-              <a:t>document</a:t>
-            </a:r>
-            <a:r>
-              <a:rPr lang="zh-CN" altLang="en-US" dirty="0" smtClean="0"/>
-              <a:t>对象的一个方法，该方法的作用是在网页中输出一行字符串。</a:t>
-            </a:r>
-          </a:p>
-          <a:p>
             <a:endParaRPr lang="zh-CN" altLang="en-US" dirty="0"/>
-          </a:p>
-          <a:p>
-            <a:r>
-              <a:rPr lang="zh-CN" altLang="en-US" dirty="0"/>
-              <a:t>结束分号不是必须的；</a:t>
-            </a:r>
-          </a:p>
-          <a:p>
-            <a:r>
-              <a:rPr lang="zh-CN" altLang="en-US" dirty="0"/>
-              <a:t>如果语句的结尾没有分号。</a:t>
-            </a:r>
-            <a:r>
-              <a:rPr lang="en-US" altLang="zh-CN" dirty="0"/>
-              <a:t>js</a:t>
-            </a:r>
-            <a:r>
-              <a:rPr lang="zh-CN" altLang="en-US" dirty="0"/>
-              <a:t>会自动讲该行代码的结尾作为语句的结尾；</a:t>
-            </a:r>
           </a:p>
         </p:txBody>
       </p:sp>
@@ -5617,81 +4338,7 @@
           <a:bodyPr/>
           <a:lstStyle/>
           <a:p>
-            <a:r>
-              <a:rPr lang="zh-CN" altLang="en-US" dirty="0" smtClean="0"/>
-              <a:t>其中，</a:t>
-            </a:r>
-            <a:r>
-              <a:rPr lang="en-US" altLang="zh-CN" dirty="0" smtClean="0"/>
-              <a:t>document</a:t>
-            </a:r>
-            <a:r>
-              <a:rPr lang="zh-CN" altLang="en-US" dirty="0" smtClean="0"/>
-              <a:t>是</a:t>
-            </a:r>
-            <a:r>
-              <a:rPr lang="en-US" altLang="zh-CN" dirty="0" smtClean="0"/>
-              <a:t>JavaScript</a:t>
-            </a:r>
-            <a:r>
-              <a:rPr lang="zh-CN" altLang="en-US" dirty="0" smtClean="0"/>
-              <a:t>中的一个重要对象，该对象表示整个</a:t>
-            </a:r>
-            <a:r>
-              <a:rPr lang="en-US" altLang="zh-CN" dirty="0" smtClean="0"/>
-              <a:t>HTML</a:t>
-            </a:r>
-            <a:r>
-              <a:rPr lang="zh-CN" altLang="en-US" dirty="0" smtClean="0"/>
-              <a:t>文档，可以通过该对象来访问</a:t>
-            </a:r>
-            <a:r>
-              <a:rPr lang="en-US" altLang="zh-CN" dirty="0" smtClean="0"/>
-              <a:t>HTML</a:t>
-            </a:r>
-            <a:r>
-              <a:rPr lang="zh-CN" altLang="en-US" dirty="0" smtClean="0"/>
-              <a:t>文档中的所有元素。</a:t>
-            </a:r>
-            <a:r>
-              <a:rPr lang="en-US" altLang="zh-CN" dirty="0" smtClean="0"/>
-              <a:t>Write</a:t>
-            </a:r>
-            <a:r>
-              <a:rPr lang="zh-CN" altLang="en-US" dirty="0" smtClean="0"/>
-              <a:t>（）是</a:t>
-            </a:r>
-            <a:r>
-              <a:rPr lang="en-US" altLang="zh-CN" dirty="0" smtClean="0"/>
-              <a:t>document</a:t>
-            </a:r>
-            <a:r>
-              <a:rPr lang="zh-CN" altLang="en-US" dirty="0" smtClean="0"/>
-              <a:t>对象的一个方法，该方法的作用是在网页中输出一行字符串。</a:t>
-            </a:r>
-          </a:p>
-          <a:p>
             <a:endParaRPr lang="zh-CN" altLang="en-US" dirty="0"/>
-          </a:p>
-          <a:p>
-            <a:r>
-              <a:rPr lang="zh-CN" altLang="en-US" dirty="0"/>
-              <a:t>结束分号不是必须的；</a:t>
-            </a:r>
-          </a:p>
-          <a:p>
-            <a:r>
-              <a:rPr lang="zh-CN" altLang="en-US" dirty="0"/>
-              <a:t>如果语句的结尾没有分号。</a:t>
-            </a:r>
-            <a:r>
-              <a:rPr lang="en-US" altLang="zh-CN" dirty="0"/>
-              <a:t>js</a:t>
-            </a:r>
-            <a:r>
-              <a:rPr lang="zh-CN" altLang="en-US" dirty="0"/>
-              <a:t>会自动讲该行代码的结尾作为语句的结尾；</a:t>
-            </a:r>
           </a:p>
         </p:txBody>
       </p:sp>
@@ -5778,81 +4425,7 @@
           <a:bodyPr/>
           <a:lstStyle/>
           <a:p>
-            <a:r>
-              <a:rPr lang="zh-CN" altLang="en-US" dirty="0" smtClean="0"/>
-              <a:t>其中，</a:t>
-            </a:r>
-            <a:r>
-              <a:rPr lang="en-US" altLang="zh-CN" dirty="0" smtClean="0"/>
-              <a:t>document</a:t>
-            </a:r>
-            <a:r>
-              <a:rPr lang="zh-CN" altLang="en-US" dirty="0" smtClean="0"/>
-              <a:t>是</a:t>
-            </a:r>
-            <a:r>
-              <a:rPr lang="en-US" altLang="zh-CN" dirty="0" smtClean="0"/>
-              <a:t>JavaScript</a:t>
-            </a:r>
-            <a:r>
-              <a:rPr lang="zh-CN" altLang="en-US" dirty="0" smtClean="0"/>
-              <a:t>中的一个重要对象，该对象表示整个</a:t>
-            </a:r>
-            <a:r>
-              <a:rPr lang="en-US" altLang="zh-CN" dirty="0" smtClean="0"/>
-              <a:t>HTML</a:t>
-            </a:r>
-            <a:r>
-              <a:rPr lang="zh-CN" altLang="en-US" dirty="0" smtClean="0"/>
-              <a:t>文档，可以通过该对象来访问</a:t>
-            </a:r>
-            <a:r>
-              <a:rPr lang="en-US" altLang="zh-CN" dirty="0" smtClean="0"/>
-              <a:t>HTML</a:t>
-            </a:r>
-            <a:r>
-              <a:rPr lang="zh-CN" altLang="en-US" dirty="0" smtClean="0"/>
-              <a:t>文档中的所有元素。</a:t>
-            </a:r>
-            <a:r>
-              <a:rPr lang="en-US" altLang="zh-CN" dirty="0" smtClean="0"/>
-              <a:t>Write</a:t>
-            </a:r>
-            <a:r>
-              <a:rPr lang="zh-CN" altLang="en-US" dirty="0" smtClean="0"/>
-              <a:t>（）是</a:t>
-            </a:r>
-            <a:r>
-              <a:rPr lang="en-US" altLang="zh-CN" dirty="0" smtClean="0"/>
-              <a:t>document</a:t>
-            </a:r>
-            <a:r>
-              <a:rPr lang="zh-CN" altLang="en-US" dirty="0" smtClean="0"/>
-              <a:t>对象的一个方法，该方法的作用是在网页中输出一行字符串。</a:t>
-            </a:r>
-          </a:p>
-          <a:p>
             <a:endParaRPr lang="zh-CN" altLang="en-US" dirty="0"/>
-          </a:p>
-          <a:p>
-            <a:r>
-              <a:rPr lang="zh-CN" altLang="en-US" dirty="0"/>
-              <a:t>结束分号不是必须的；</a:t>
-            </a:r>
-          </a:p>
-          <a:p>
-            <a:r>
-              <a:rPr lang="zh-CN" altLang="en-US" dirty="0"/>
-              <a:t>如果语句的结尾没有分号。</a:t>
-            </a:r>
-            <a:r>
-              <a:rPr lang="en-US" altLang="zh-CN" dirty="0"/>
-              <a:t>js</a:t>
-            </a:r>
-            <a:r>
-              <a:rPr lang="zh-CN" altLang="en-US" dirty="0"/>
-              <a:t>会自动讲该行代码的结尾作为语句的结尾；</a:t>
-            </a:r>
           </a:p>
         </p:txBody>
       </p:sp>
@@ -5939,81 +4512,7 @@
           <a:bodyPr/>
           <a:lstStyle/>
           <a:p>
-            <a:r>
-              <a:rPr lang="zh-CN" altLang="en-US" dirty="0" smtClean="0"/>
-              <a:t>其中，</a:t>
-            </a:r>
-            <a:r>
-              <a:rPr lang="en-US" altLang="zh-CN" dirty="0" smtClean="0"/>
-              <a:t>document</a:t>
-            </a:r>
-            <a:r>
-              <a:rPr lang="zh-CN" altLang="en-US" dirty="0" smtClean="0"/>
-              <a:t>是</a:t>
-            </a:r>
-            <a:r>
-              <a:rPr lang="en-US" altLang="zh-CN" dirty="0" smtClean="0"/>
-              <a:t>JavaScript</a:t>
-            </a:r>
-            <a:r>
-              <a:rPr lang="zh-CN" altLang="en-US" dirty="0" smtClean="0"/>
-              <a:t>中的一个重要对象，该对象表示整个</a:t>
-            </a:r>
-            <a:r>
-              <a:rPr lang="en-US" altLang="zh-CN" dirty="0" smtClean="0"/>
-              <a:t>HTML</a:t>
-            </a:r>
-            <a:r>
-              <a:rPr lang="zh-CN" altLang="en-US" dirty="0" smtClean="0"/>
-              <a:t>文档，可以通过该对象来访问</a:t>
-            </a:r>
-            <a:r>
-              <a:rPr lang="en-US" altLang="zh-CN" dirty="0" smtClean="0"/>
-              <a:t>HTML</a:t>
-            </a:r>
-            <a:r>
-              <a:rPr lang="zh-CN" altLang="en-US" dirty="0" smtClean="0"/>
-              <a:t>文档中的所有元素。</a:t>
-            </a:r>
-            <a:r>
-              <a:rPr lang="en-US" altLang="zh-CN" dirty="0" smtClean="0"/>
-              <a:t>Write</a:t>
-            </a:r>
-            <a:r>
-              <a:rPr lang="zh-CN" altLang="en-US" dirty="0" smtClean="0"/>
-              <a:t>（）是</a:t>
-            </a:r>
-            <a:r>
-              <a:rPr lang="en-US" altLang="zh-CN" dirty="0" smtClean="0"/>
-              <a:t>document</a:t>
-            </a:r>
-            <a:r>
-              <a:rPr lang="zh-CN" altLang="en-US" dirty="0" smtClean="0"/>
-              <a:t>对象的一个方法，该方法的作用是在网页中输出一行字符串。</a:t>
-            </a:r>
-          </a:p>
-          <a:p>
             <a:endParaRPr lang="zh-CN" altLang="en-US" dirty="0"/>
-          </a:p>
-          <a:p>
-            <a:r>
-              <a:rPr lang="zh-CN" altLang="en-US" dirty="0"/>
-              <a:t>结束分号不是必须的；</a:t>
-            </a:r>
-          </a:p>
-          <a:p>
-            <a:r>
-              <a:rPr lang="zh-CN" altLang="en-US" dirty="0"/>
-              <a:t>如果语句的结尾没有分号。</a:t>
-            </a:r>
-            <a:r>
-              <a:rPr lang="en-US" altLang="zh-CN" dirty="0"/>
-              <a:t>js</a:t>
-            </a:r>
-            <a:r>
-              <a:rPr lang="zh-CN" altLang="en-US" dirty="0"/>
-              <a:t>会自动讲该行代码的结尾作为语句的结尾；</a:t>
-            </a:r>
           </a:p>
         </p:txBody>
       </p:sp>
@@ -6583,81 +5082,7 @@
           <a:bodyPr/>
           <a:lstStyle/>
           <a:p>
-            <a:r>
-              <a:rPr lang="zh-CN" altLang="en-US" dirty="0" smtClean="0"/>
-              <a:t>其中，</a:t>
-            </a:r>
-            <a:r>
-              <a:rPr lang="en-US" altLang="zh-CN" dirty="0" smtClean="0"/>
-              <a:t>document</a:t>
-            </a:r>
-            <a:r>
-              <a:rPr lang="zh-CN" altLang="en-US" dirty="0" smtClean="0"/>
-              <a:t>是</a:t>
-            </a:r>
-            <a:r>
-              <a:rPr lang="en-US" altLang="zh-CN" dirty="0" smtClean="0"/>
-              <a:t>JavaScript</a:t>
-            </a:r>
-            <a:r>
-              <a:rPr lang="zh-CN" altLang="en-US" dirty="0" smtClean="0"/>
-              <a:t>中的一个重要对象，该对象表示整个</a:t>
-            </a:r>
-            <a:r>
-              <a:rPr lang="en-US" altLang="zh-CN" dirty="0" smtClean="0"/>
-              <a:t>HTML</a:t>
-            </a:r>
-            <a:r>
-              <a:rPr lang="zh-CN" altLang="en-US" dirty="0" smtClean="0"/>
-              <a:t>文档，可以通过该对象来访问</a:t>
-            </a:r>
-            <a:r>
-              <a:rPr lang="en-US" altLang="zh-CN" dirty="0" smtClean="0"/>
-              <a:t>HTML</a:t>
-            </a:r>
-            <a:r>
-              <a:rPr lang="zh-CN" altLang="en-US" dirty="0" smtClean="0"/>
-              <a:t>文档中的所有元素。</a:t>
-            </a:r>
-            <a:r>
-              <a:rPr lang="en-US" altLang="zh-CN" dirty="0" smtClean="0"/>
-              <a:t>Write</a:t>
-            </a:r>
-            <a:r>
-              <a:rPr lang="zh-CN" altLang="en-US" dirty="0" smtClean="0"/>
-              <a:t>（）是</a:t>
-            </a:r>
-            <a:r>
-              <a:rPr lang="en-US" altLang="zh-CN" dirty="0" smtClean="0"/>
-              <a:t>document</a:t>
-            </a:r>
-            <a:r>
-              <a:rPr lang="zh-CN" altLang="en-US" dirty="0" smtClean="0"/>
-              <a:t>对象的一个方法，该方法的作用是在网页中输出一行字符串。</a:t>
-            </a:r>
-          </a:p>
-          <a:p>
             <a:endParaRPr lang="zh-CN" altLang="en-US" dirty="0"/>
-          </a:p>
-          <a:p>
-            <a:r>
-              <a:rPr lang="zh-CN" altLang="en-US" dirty="0"/>
-              <a:t>结束分号不是必须的；</a:t>
-            </a:r>
-          </a:p>
-          <a:p>
-            <a:r>
-              <a:rPr lang="zh-CN" altLang="en-US" dirty="0"/>
-              <a:t>如果语句的结尾没有分号。</a:t>
-            </a:r>
-            <a:r>
-              <a:rPr lang="en-US" altLang="zh-CN" dirty="0"/>
-              <a:t>js</a:t>
-            </a:r>
-            <a:r>
-              <a:rPr lang="zh-CN" altLang="en-US" dirty="0"/>
-              <a:t>会自动讲该行代码的结尾作为语句的结尾；</a:t>
-            </a:r>
           </a:p>
         </p:txBody>
       </p:sp>
@@ -7883,12 +6308,8 @@
               <a:t>Web</a:t>
             </a:r>
             <a:r>
-              <a:rPr lang="zh-CN" altLang="en-US" sz="4800" b="1" smtClean="0"/>
-              <a:t>开发（</a:t>
-            </a:r>
-            <a:r>
               <a:rPr lang="zh-CN" altLang="en-US" sz="4800" b="1" dirty="0"/>
-              <a:t>二）</a:t>
+              <a:t>开发（二）</a:t>
             </a:r>
             <a:endParaRPr lang="zh-CN" altLang="zh-CN" sz="4800" b="1" dirty="0"/>
           </a:p>
@@ -8744,11 +7165,1677 @@
             <a:r>
               <a:rPr lang="en-US" altLang="zh-CN" sz="2400" b="1" dirty="0" smtClean="0">
                 <a:solidFill>
-                  <a:srgbClr val="C00000"/>
+                  <a:schemeClr val="tx1"/>
                 </a:solidFill>
               </a:rPr>
               <a:t>var   if=3;</a:t>
             </a:r>
+          </a:p>
+        </p:txBody>
+      </p:sp>
+      <p:sp>
+        <p:nvSpPr>
+          <p:cNvPr id="5" name=" 2050"/>
+          <p:cNvSpPr/>
+          <p:nvPr/>
+        </p:nvSpPr>
+        <p:spPr bwMode="auto">
+          <a:xfrm>
+            <a:off x="8395137" y="1268760"/>
+            <a:ext cx="682625" cy="386715"/>
+          </a:xfrm>
+          <a:custGeom>
+            <a:avLst/>
+            <a:gdLst>
+              <a:gd name="T0" fmla="*/ 1905000 w 1360"/>
+              <a:gd name="T1" fmla="*/ 65651 h 1358"/>
+              <a:gd name="T2" fmla="*/ 1703294 w 1360"/>
+              <a:gd name="T3" fmla="*/ 205463 h 1358"/>
+              <a:gd name="T4" fmla="*/ 1507191 w 1360"/>
+              <a:gd name="T5" fmla="*/ 363512 h 1358"/>
+              <a:gd name="T6" fmla="*/ 1318092 w 1360"/>
+              <a:gd name="T7" fmla="*/ 538581 h 1358"/>
+              <a:gd name="T8" fmla="*/ 1138798 w 1360"/>
+              <a:gd name="T9" fmla="*/ 731887 h 1358"/>
+              <a:gd name="T10" fmla="*/ 970710 w 1360"/>
+              <a:gd name="T11" fmla="*/ 930055 h 1358"/>
+              <a:gd name="T12" fmla="*/ 832037 w 1360"/>
+              <a:gd name="T13" fmla="*/ 1130655 h 1358"/>
+              <a:gd name="T14" fmla="*/ 715776 w 1360"/>
+              <a:gd name="T15" fmla="*/ 1326392 h 1358"/>
+              <a:gd name="T16" fmla="*/ 624728 w 1360"/>
+              <a:gd name="T17" fmla="*/ 1520914 h 1358"/>
+              <a:gd name="T18" fmla="*/ 525276 w 1360"/>
+              <a:gd name="T19" fmla="*/ 1580486 h 1358"/>
+              <a:gd name="T20" fmla="*/ 455239 w 1360"/>
+              <a:gd name="T21" fmla="*/ 1627901 h 1358"/>
+              <a:gd name="T22" fmla="*/ 417419 w 1360"/>
+              <a:gd name="T23" fmla="*/ 1625469 h 1358"/>
+              <a:gd name="T24" fmla="*/ 390805 w 1360"/>
+              <a:gd name="T25" fmla="*/ 1551308 h 1358"/>
+              <a:gd name="T26" fmla="*/ 336176 w 1360"/>
+              <a:gd name="T27" fmla="*/ 1432163 h 1358"/>
+              <a:gd name="T28" fmla="*/ 285750 w 1360"/>
+              <a:gd name="T29" fmla="*/ 1322745 h 1358"/>
+              <a:gd name="T30" fmla="*/ 239526 w 1360"/>
+              <a:gd name="T31" fmla="*/ 1231563 h 1358"/>
+              <a:gd name="T32" fmla="*/ 196103 w 1360"/>
+              <a:gd name="T33" fmla="*/ 1158618 h 1358"/>
+              <a:gd name="T34" fmla="*/ 155482 w 1360"/>
+              <a:gd name="T35" fmla="*/ 1102693 h 1358"/>
+              <a:gd name="T36" fmla="*/ 120463 w 1360"/>
+              <a:gd name="T37" fmla="*/ 1061357 h 1358"/>
+              <a:gd name="T38" fmla="*/ 81243 w 1360"/>
+              <a:gd name="T39" fmla="*/ 1030963 h 1358"/>
+              <a:gd name="T40" fmla="*/ 40621 w 1360"/>
+              <a:gd name="T41" fmla="*/ 1011511 h 1358"/>
+              <a:gd name="T42" fmla="*/ 0 w 1360"/>
+              <a:gd name="T43" fmla="*/ 1003001 h 1358"/>
+              <a:gd name="T44" fmla="*/ 53228 w 1360"/>
+              <a:gd name="T45" fmla="*/ 960449 h 1358"/>
+              <a:gd name="T46" fmla="*/ 107857 w 1360"/>
+              <a:gd name="T47" fmla="*/ 930055 h 1358"/>
+              <a:gd name="T48" fmla="*/ 152680 w 1360"/>
+              <a:gd name="T49" fmla="*/ 914250 h 1358"/>
+              <a:gd name="T50" fmla="*/ 198904 w 1360"/>
+              <a:gd name="T51" fmla="*/ 906956 h 1358"/>
+              <a:gd name="T52" fmla="*/ 257735 w 1360"/>
+              <a:gd name="T53" fmla="*/ 925192 h 1358"/>
+              <a:gd name="T54" fmla="*/ 323570 w 1360"/>
+              <a:gd name="T55" fmla="*/ 979901 h 1358"/>
+              <a:gd name="T56" fmla="*/ 388004 w 1360"/>
+              <a:gd name="T57" fmla="*/ 1067436 h 1358"/>
+              <a:gd name="T58" fmla="*/ 458040 w 1360"/>
+              <a:gd name="T59" fmla="*/ 1191443 h 1358"/>
+              <a:gd name="T60" fmla="*/ 572901 w 1360"/>
+              <a:gd name="T61" fmla="*/ 1193875 h 1358"/>
+              <a:gd name="T62" fmla="*/ 710173 w 1360"/>
+              <a:gd name="T63" fmla="*/ 1000569 h 1358"/>
+              <a:gd name="T64" fmla="*/ 861452 w 1360"/>
+              <a:gd name="T65" fmla="*/ 813342 h 1358"/>
+              <a:gd name="T66" fmla="*/ 1025338 w 1360"/>
+              <a:gd name="T67" fmla="*/ 637057 h 1358"/>
+              <a:gd name="T68" fmla="*/ 1203232 w 1360"/>
+              <a:gd name="T69" fmla="*/ 468067 h 1358"/>
+              <a:gd name="T70" fmla="*/ 1385327 w 1360"/>
+              <a:gd name="T71" fmla="*/ 314881 h 1358"/>
+              <a:gd name="T72" fmla="*/ 1574426 w 1360"/>
+              <a:gd name="T73" fmla="*/ 175069 h 1358"/>
+              <a:gd name="T74" fmla="*/ 1764926 w 1360"/>
+              <a:gd name="T75" fmla="*/ 53493 h 1358"/>
+              <a:gd name="T76" fmla="*/ 0 60000 65536"/>
+              <a:gd name="T77" fmla="*/ 0 60000 65536"/>
+              <a:gd name="T78" fmla="*/ 0 60000 65536"/>
+              <a:gd name="T79" fmla="*/ 0 60000 65536"/>
+              <a:gd name="T80" fmla="*/ 0 60000 65536"/>
+              <a:gd name="T81" fmla="*/ 0 60000 65536"/>
+              <a:gd name="T82" fmla="*/ 0 60000 65536"/>
+              <a:gd name="T83" fmla="*/ 0 60000 65536"/>
+              <a:gd name="T84" fmla="*/ 0 60000 65536"/>
+              <a:gd name="T85" fmla="*/ 0 60000 65536"/>
+              <a:gd name="T86" fmla="*/ 0 60000 65536"/>
+              <a:gd name="T87" fmla="*/ 0 60000 65536"/>
+              <a:gd name="T88" fmla="*/ 0 60000 65536"/>
+              <a:gd name="T89" fmla="*/ 0 60000 65536"/>
+              <a:gd name="T90" fmla="*/ 0 60000 65536"/>
+              <a:gd name="T91" fmla="*/ 0 60000 65536"/>
+              <a:gd name="T92" fmla="*/ 0 60000 65536"/>
+              <a:gd name="T93" fmla="*/ 0 60000 65536"/>
+              <a:gd name="T94" fmla="*/ 0 60000 65536"/>
+              <a:gd name="T95" fmla="*/ 0 60000 65536"/>
+              <a:gd name="T96" fmla="*/ 0 60000 65536"/>
+              <a:gd name="T97" fmla="*/ 0 60000 65536"/>
+              <a:gd name="T98" fmla="*/ 0 60000 65536"/>
+              <a:gd name="T99" fmla="*/ 0 60000 65536"/>
+              <a:gd name="T100" fmla="*/ 0 60000 65536"/>
+              <a:gd name="T101" fmla="*/ 0 60000 65536"/>
+              <a:gd name="T102" fmla="*/ 0 60000 65536"/>
+              <a:gd name="T103" fmla="*/ 0 60000 65536"/>
+              <a:gd name="T104" fmla="*/ 0 60000 65536"/>
+              <a:gd name="T105" fmla="*/ 0 60000 65536"/>
+              <a:gd name="T106" fmla="*/ 0 60000 65536"/>
+              <a:gd name="T107" fmla="*/ 0 60000 65536"/>
+              <a:gd name="T108" fmla="*/ 0 60000 65536"/>
+              <a:gd name="T109" fmla="*/ 0 60000 65536"/>
+              <a:gd name="T110" fmla="*/ 0 60000 65536"/>
+              <a:gd name="T111" fmla="*/ 0 60000 65536"/>
+              <a:gd name="T112" fmla="*/ 0 60000 65536"/>
+              <a:gd name="T113" fmla="*/ 0 60000 65536"/>
+            </a:gdLst>
+            <a:ahLst/>
+            <a:cxnLst>
+              <a:cxn ang="T76">
+                <a:pos x="T0" y="T1"/>
+              </a:cxn>
+              <a:cxn ang="T77">
+                <a:pos x="T2" y="T3"/>
+              </a:cxn>
+              <a:cxn ang="T78">
+                <a:pos x="T4" y="T5"/>
+              </a:cxn>
+              <a:cxn ang="T79">
+                <a:pos x="T6" y="T7"/>
+              </a:cxn>
+              <a:cxn ang="T80">
+                <a:pos x="T8" y="T9"/>
+              </a:cxn>
+              <a:cxn ang="T81">
+                <a:pos x="T10" y="T11"/>
+              </a:cxn>
+              <a:cxn ang="T82">
+                <a:pos x="T12" y="T13"/>
+              </a:cxn>
+              <a:cxn ang="T83">
+                <a:pos x="T14" y="T15"/>
+              </a:cxn>
+              <a:cxn ang="T84">
+                <a:pos x="T16" y="T17"/>
+              </a:cxn>
+              <a:cxn ang="T85">
+                <a:pos x="T18" y="T19"/>
+              </a:cxn>
+              <a:cxn ang="T86">
+                <a:pos x="T20" y="T21"/>
+              </a:cxn>
+              <a:cxn ang="T87">
+                <a:pos x="T22" y="T23"/>
+              </a:cxn>
+              <a:cxn ang="T88">
+                <a:pos x="T24" y="T25"/>
+              </a:cxn>
+              <a:cxn ang="T89">
+                <a:pos x="T26" y="T27"/>
+              </a:cxn>
+              <a:cxn ang="T90">
+                <a:pos x="T28" y="T29"/>
+              </a:cxn>
+              <a:cxn ang="T91">
+                <a:pos x="T30" y="T31"/>
+              </a:cxn>
+              <a:cxn ang="T92">
+                <a:pos x="T32" y="T33"/>
+              </a:cxn>
+              <a:cxn ang="T93">
+                <a:pos x="T34" y="T35"/>
+              </a:cxn>
+              <a:cxn ang="T94">
+                <a:pos x="T36" y="T37"/>
+              </a:cxn>
+              <a:cxn ang="T95">
+                <a:pos x="T38" y="T39"/>
+              </a:cxn>
+              <a:cxn ang="T96">
+                <a:pos x="T40" y="T41"/>
+              </a:cxn>
+              <a:cxn ang="T97">
+                <a:pos x="T42" y="T43"/>
+              </a:cxn>
+              <a:cxn ang="T98">
+                <a:pos x="T44" y="T45"/>
+              </a:cxn>
+              <a:cxn ang="T99">
+                <a:pos x="T46" y="T47"/>
+              </a:cxn>
+              <a:cxn ang="T100">
+                <a:pos x="T48" y="T49"/>
+              </a:cxn>
+              <a:cxn ang="T101">
+                <a:pos x="T50" y="T51"/>
+              </a:cxn>
+              <a:cxn ang="T102">
+                <a:pos x="T52" y="T53"/>
+              </a:cxn>
+              <a:cxn ang="T103">
+                <a:pos x="T54" y="T55"/>
+              </a:cxn>
+              <a:cxn ang="T104">
+                <a:pos x="T56" y="T57"/>
+              </a:cxn>
+              <a:cxn ang="T105">
+                <a:pos x="T58" y="T59"/>
+              </a:cxn>
+              <a:cxn ang="T106">
+                <a:pos x="T60" y="T61"/>
+              </a:cxn>
+              <a:cxn ang="T107">
+                <a:pos x="T62" y="T63"/>
+              </a:cxn>
+              <a:cxn ang="T108">
+                <a:pos x="T64" y="T65"/>
+              </a:cxn>
+              <a:cxn ang="T109">
+                <a:pos x="T66" y="T67"/>
+              </a:cxn>
+              <a:cxn ang="T110">
+                <a:pos x="T68" y="T69"/>
+              </a:cxn>
+              <a:cxn ang="T111">
+                <a:pos x="T70" y="T71"/>
+              </a:cxn>
+              <a:cxn ang="T112">
+                <a:pos x="T72" y="T73"/>
+              </a:cxn>
+              <a:cxn ang="T113">
+                <a:pos x="T74" y="T75"/>
+              </a:cxn>
+            </a:cxnLst>
+            <a:rect l="0" t="0" r="r" b="b"/>
+            <a:pathLst>
+              <a:path w="1360" h="1358">
+                <a:moveTo>
+                  <a:pt x="1331" y="0"/>
+                </a:moveTo>
+                <a:lnTo>
+                  <a:pt x="1360" y="54"/>
+                </a:lnTo>
+                <a:lnTo>
+                  <a:pt x="1287" y="109"/>
+                </a:lnTo>
+                <a:lnTo>
+                  <a:pt x="1216" y="169"/>
+                </a:lnTo>
+                <a:lnTo>
+                  <a:pt x="1145" y="232"/>
+                </a:lnTo>
+                <a:lnTo>
+                  <a:pt x="1076" y="299"/>
+                </a:lnTo>
+                <a:lnTo>
+                  <a:pt x="1007" y="368"/>
+                </a:lnTo>
+                <a:lnTo>
+                  <a:pt x="941" y="443"/>
+                </a:lnTo>
+                <a:lnTo>
+                  <a:pt x="876" y="520"/>
+                </a:lnTo>
+                <a:lnTo>
+                  <a:pt x="813" y="602"/>
+                </a:lnTo>
+                <a:lnTo>
+                  <a:pt x="751" y="685"/>
+                </a:lnTo>
+                <a:lnTo>
+                  <a:pt x="693" y="765"/>
+                </a:lnTo>
+                <a:lnTo>
+                  <a:pt x="642" y="848"/>
+                </a:lnTo>
+                <a:lnTo>
+                  <a:pt x="594" y="930"/>
+                </a:lnTo>
+                <a:lnTo>
+                  <a:pt x="551" y="1011"/>
+                </a:lnTo>
+                <a:lnTo>
+                  <a:pt x="511" y="1091"/>
+                </a:lnTo>
+                <a:lnTo>
+                  <a:pt x="476" y="1172"/>
+                </a:lnTo>
+                <a:lnTo>
+                  <a:pt x="446" y="1251"/>
+                </a:lnTo>
+                <a:lnTo>
+                  <a:pt x="401" y="1281"/>
+                </a:lnTo>
+                <a:lnTo>
+                  <a:pt x="375" y="1300"/>
+                </a:lnTo>
+                <a:lnTo>
+                  <a:pt x="348" y="1320"/>
+                </a:lnTo>
+                <a:lnTo>
+                  <a:pt x="325" y="1339"/>
+                </a:lnTo>
+                <a:lnTo>
+                  <a:pt x="304" y="1358"/>
+                </a:lnTo>
+                <a:lnTo>
+                  <a:pt x="298" y="1337"/>
+                </a:lnTo>
+                <a:lnTo>
+                  <a:pt x="290" y="1310"/>
+                </a:lnTo>
+                <a:lnTo>
+                  <a:pt x="279" y="1276"/>
+                </a:lnTo>
+                <a:lnTo>
+                  <a:pt x="263" y="1237"/>
+                </a:lnTo>
+                <a:lnTo>
+                  <a:pt x="240" y="1178"/>
+                </a:lnTo>
+                <a:lnTo>
+                  <a:pt x="221" y="1132"/>
+                </a:lnTo>
+                <a:lnTo>
+                  <a:pt x="204" y="1088"/>
+                </a:lnTo>
+                <a:lnTo>
+                  <a:pt x="186" y="1049"/>
+                </a:lnTo>
+                <a:lnTo>
+                  <a:pt x="171" y="1013"/>
+                </a:lnTo>
+                <a:lnTo>
+                  <a:pt x="156" y="982"/>
+                </a:lnTo>
+                <a:lnTo>
+                  <a:pt x="140" y="953"/>
+                </a:lnTo>
+                <a:lnTo>
+                  <a:pt x="125" y="928"/>
+                </a:lnTo>
+                <a:lnTo>
+                  <a:pt x="111" y="907"/>
+                </a:lnTo>
+                <a:lnTo>
+                  <a:pt x="100" y="890"/>
+                </a:lnTo>
+                <a:lnTo>
+                  <a:pt x="86" y="873"/>
+                </a:lnTo>
+                <a:lnTo>
+                  <a:pt x="71" y="859"/>
+                </a:lnTo>
+                <a:lnTo>
+                  <a:pt x="58" y="848"/>
+                </a:lnTo>
+                <a:lnTo>
+                  <a:pt x="44" y="838"/>
+                </a:lnTo>
+                <a:lnTo>
+                  <a:pt x="29" y="832"/>
+                </a:lnTo>
+                <a:lnTo>
+                  <a:pt x="15" y="827"/>
+                </a:lnTo>
+                <a:lnTo>
+                  <a:pt x="0" y="825"/>
+                </a:lnTo>
+                <a:lnTo>
+                  <a:pt x="19" y="806"/>
+                </a:lnTo>
+                <a:lnTo>
+                  <a:pt x="38" y="790"/>
+                </a:lnTo>
+                <a:lnTo>
+                  <a:pt x="58" y="777"/>
+                </a:lnTo>
+                <a:lnTo>
+                  <a:pt x="77" y="765"/>
+                </a:lnTo>
+                <a:lnTo>
+                  <a:pt x="94" y="758"/>
+                </a:lnTo>
+                <a:lnTo>
+                  <a:pt x="109" y="752"/>
+                </a:lnTo>
+                <a:lnTo>
+                  <a:pt x="127" y="748"/>
+                </a:lnTo>
+                <a:lnTo>
+                  <a:pt x="142" y="746"/>
+                </a:lnTo>
+                <a:lnTo>
+                  <a:pt x="163" y="750"/>
+                </a:lnTo>
+                <a:lnTo>
+                  <a:pt x="184" y="761"/>
+                </a:lnTo>
+                <a:lnTo>
+                  <a:pt x="207" y="779"/>
+                </a:lnTo>
+                <a:lnTo>
+                  <a:pt x="231" y="806"/>
+                </a:lnTo>
+                <a:lnTo>
+                  <a:pt x="254" y="838"/>
+                </a:lnTo>
+                <a:lnTo>
+                  <a:pt x="277" y="878"/>
+                </a:lnTo>
+                <a:lnTo>
+                  <a:pt x="302" y="924"/>
+                </a:lnTo>
+                <a:lnTo>
+                  <a:pt x="327" y="980"/>
+                </a:lnTo>
+                <a:lnTo>
+                  <a:pt x="363" y="1063"/>
+                </a:lnTo>
+                <a:lnTo>
+                  <a:pt x="409" y="982"/>
+                </a:lnTo>
+                <a:lnTo>
+                  <a:pt x="457" y="901"/>
+                </a:lnTo>
+                <a:lnTo>
+                  <a:pt x="507" y="823"/>
+                </a:lnTo>
+                <a:lnTo>
+                  <a:pt x="561" y="744"/>
+                </a:lnTo>
+                <a:lnTo>
+                  <a:pt x="615" y="669"/>
+                </a:lnTo>
+                <a:lnTo>
+                  <a:pt x="672" y="596"/>
+                </a:lnTo>
+                <a:lnTo>
+                  <a:pt x="732" y="524"/>
+                </a:lnTo>
+                <a:lnTo>
+                  <a:pt x="795" y="453"/>
+                </a:lnTo>
+                <a:lnTo>
+                  <a:pt x="859" y="385"/>
+                </a:lnTo>
+                <a:lnTo>
+                  <a:pt x="924" y="320"/>
+                </a:lnTo>
+                <a:lnTo>
+                  <a:pt x="989" y="259"/>
+                </a:lnTo>
+                <a:lnTo>
+                  <a:pt x="1055" y="199"/>
+                </a:lnTo>
+                <a:lnTo>
+                  <a:pt x="1124" y="144"/>
+                </a:lnTo>
+                <a:lnTo>
+                  <a:pt x="1191" y="92"/>
+                </a:lnTo>
+                <a:lnTo>
+                  <a:pt x="1260" y="44"/>
+                </a:lnTo>
+                <a:lnTo>
+                  <a:pt x="1331" y="0"/>
+                </a:lnTo>
+                <a:close/>
+              </a:path>
+            </a:pathLst>
+          </a:custGeom>
+          <a:gradFill>
+            <a:gsLst>
+              <a:gs pos="0">
+                <a:srgbClr val="E30000"/>
+              </a:gs>
+              <a:gs pos="100000">
+                <a:srgbClr val="760303"/>
+              </a:gs>
+            </a:gsLst>
+            <a:lin ang="5400000" scaled="0"/>
+          </a:gradFill>
+          <a:ln>
+            <a:noFill/>
+          </a:ln>
+          <a:extLst>
+            <a:ext uri="{91240B29-F687-4F45-9708-019B960494DF}">
+              <a14:hiddenLine xmlns:a14="http://schemas.microsoft.com/office/drawing/2010/main" w="9525">
+                <a:solidFill>
+                  <a:srgbClr val="000000"/>
+                </a:solidFill>
+                <a:round/>
+              </a14:hiddenLine>
+            </a:ext>
+          </a:extLst>
+        </p:spPr>
+        <p:txBody>
+          <a:bodyPr lIns="68580" tIns="34290" rIns="68580" bIns="34290" anchor="ctr"/>
+          <a:lstStyle>
+            <a:defPPr>
+              <a:defRPr lang="zh-CN"/>
+            </a:defPPr>
+            <a:lvl1pPr algn="l" rtl="0" eaLnBrk="0" fontAlgn="base" hangingPunct="0">
+              <a:spcBef>
+                <a:spcPct val="0"/>
+              </a:spcBef>
+              <a:spcAft>
+                <a:spcPct val="0"/>
+              </a:spcAft>
+              <a:defRPr kern="1200">
+                <a:solidFill>
+                  <a:schemeClr val="tx1"/>
+                </a:solidFill>
+                <a:latin typeface="Calibri" panose="020F0502020204030204" charset="0"/>
+                <a:ea typeface="宋体" panose="02010600030101010101" pitchFamily="2" charset="-122"/>
+                <a:cs typeface="+mn-cs"/>
+              </a:defRPr>
+            </a:lvl1pPr>
+            <a:lvl2pPr marL="457200" algn="l" rtl="0" eaLnBrk="0" fontAlgn="base" hangingPunct="0">
+              <a:spcBef>
+                <a:spcPct val="0"/>
+              </a:spcBef>
+              <a:spcAft>
+                <a:spcPct val="0"/>
+              </a:spcAft>
+              <a:defRPr kern="1200">
+                <a:solidFill>
+                  <a:schemeClr val="tx1"/>
+                </a:solidFill>
+                <a:latin typeface="Calibri" panose="020F0502020204030204" charset="0"/>
+                <a:ea typeface="宋体" panose="02010600030101010101" pitchFamily="2" charset="-122"/>
+                <a:cs typeface="+mn-cs"/>
+              </a:defRPr>
+            </a:lvl2pPr>
+            <a:lvl3pPr marL="914400" algn="l" rtl="0" eaLnBrk="0" fontAlgn="base" hangingPunct="0">
+              <a:spcBef>
+                <a:spcPct val="0"/>
+              </a:spcBef>
+              <a:spcAft>
+                <a:spcPct val="0"/>
+              </a:spcAft>
+              <a:defRPr kern="1200">
+                <a:solidFill>
+                  <a:schemeClr val="tx1"/>
+                </a:solidFill>
+                <a:latin typeface="Calibri" panose="020F0502020204030204" charset="0"/>
+                <a:ea typeface="宋体" panose="02010600030101010101" pitchFamily="2" charset="-122"/>
+                <a:cs typeface="+mn-cs"/>
+              </a:defRPr>
+            </a:lvl3pPr>
+            <a:lvl4pPr marL="1371600" algn="l" rtl="0" eaLnBrk="0" fontAlgn="base" hangingPunct="0">
+              <a:spcBef>
+                <a:spcPct val="0"/>
+              </a:spcBef>
+              <a:spcAft>
+                <a:spcPct val="0"/>
+              </a:spcAft>
+              <a:defRPr kern="1200">
+                <a:solidFill>
+                  <a:schemeClr val="tx1"/>
+                </a:solidFill>
+                <a:latin typeface="Calibri" panose="020F0502020204030204" charset="0"/>
+                <a:ea typeface="宋体" panose="02010600030101010101" pitchFamily="2" charset="-122"/>
+                <a:cs typeface="+mn-cs"/>
+              </a:defRPr>
+            </a:lvl4pPr>
+            <a:lvl5pPr marL="1828800" algn="l" rtl="0" eaLnBrk="0" fontAlgn="base" hangingPunct="0">
+              <a:spcBef>
+                <a:spcPct val="0"/>
+              </a:spcBef>
+              <a:spcAft>
+                <a:spcPct val="0"/>
+              </a:spcAft>
+              <a:defRPr kern="1200">
+                <a:solidFill>
+                  <a:schemeClr val="tx1"/>
+                </a:solidFill>
+                <a:latin typeface="Calibri" panose="020F0502020204030204" charset="0"/>
+                <a:ea typeface="宋体" panose="02010600030101010101" pitchFamily="2" charset="-122"/>
+                <a:cs typeface="+mn-cs"/>
+              </a:defRPr>
+            </a:lvl5pPr>
+            <a:lvl6pPr marL="2286000" algn="l" defTabSz="914400" rtl="0" eaLnBrk="1" latinLnBrk="0" hangingPunct="1">
+              <a:defRPr kern="1200">
+                <a:solidFill>
+                  <a:schemeClr val="tx1"/>
+                </a:solidFill>
+                <a:latin typeface="Calibri" panose="020F0502020204030204" charset="0"/>
+                <a:ea typeface="宋体" panose="02010600030101010101" pitchFamily="2" charset="-122"/>
+                <a:cs typeface="+mn-cs"/>
+              </a:defRPr>
+            </a:lvl6pPr>
+            <a:lvl7pPr marL="2743200" algn="l" defTabSz="914400" rtl="0" eaLnBrk="1" latinLnBrk="0" hangingPunct="1">
+              <a:defRPr kern="1200">
+                <a:solidFill>
+                  <a:schemeClr val="tx1"/>
+                </a:solidFill>
+                <a:latin typeface="Calibri" panose="020F0502020204030204" charset="0"/>
+                <a:ea typeface="宋体" panose="02010600030101010101" pitchFamily="2" charset="-122"/>
+                <a:cs typeface="+mn-cs"/>
+              </a:defRPr>
+            </a:lvl7pPr>
+            <a:lvl8pPr marL="3200400" algn="l" defTabSz="914400" rtl="0" eaLnBrk="1" latinLnBrk="0" hangingPunct="1">
+              <a:defRPr kern="1200">
+                <a:solidFill>
+                  <a:schemeClr val="tx1"/>
+                </a:solidFill>
+                <a:latin typeface="Calibri" panose="020F0502020204030204" charset="0"/>
+                <a:ea typeface="宋体" panose="02010600030101010101" pitchFamily="2" charset="-122"/>
+                <a:cs typeface="+mn-cs"/>
+              </a:defRPr>
+            </a:lvl8pPr>
+            <a:lvl9pPr marL="3657600" algn="l" defTabSz="914400" rtl="0" eaLnBrk="1" latinLnBrk="0" hangingPunct="1">
+              <a:defRPr kern="1200">
+                <a:solidFill>
+                  <a:schemeClr val="tx1"/>
+                </a:solidFill>
+                <a:latin typeface="Calibri" panose="020F0502020204030204" charset="0"/>
+                <a:ea typeface="宋体" panose="02010600030101010101" pitchFamily="2" charset="-122"/>
+                <a:cs typeface="+mn-cs"/>
+              </a:defRPr>
+            </a:lvl9pPr>
+          </a:lstStyle>
+          <a:p>
+            <a:endParaRPr lang="zh-CN" altLang="en-US"/>
+          </a:p>
+        </p:txBody>
+      </p:sp>
+      <p:sp>
+        <p:nvSpPr>
+          <p:cNvPr id="6" name=" 252"/>
+          <p:cNvSpPr/>
+          <p:nvPr/>
+        </p:nvSpPr>
+        <p:spPr>
+          <a:xfrm rot="2640000">
+            <a:off x="8322121" y="2326655"/>
+            <a:ext cx="610740" cy="643751"/>
+          </a:xfrm>
+          <a:prstGeom prst="mathPlus">
+            <a:avLst>
+              <a:gd name="adj1" fmla="val 9220"/>
+            </a:avLst>
+          </a:prstGeom>
+          <a:gradFill>
+            <a:gsLst>
+              <a:gs pos="0">
+                <a:srgbClr val="E30000"/>
+              </a:gs>
+              <a:gs pos="100000">
+                <a:srgbClr val="760303"/>
+              </a:gs>
+            </a:gsLst>
+            <a:lin ang="5400000" scaled="0"/>
+          </a:gradFill>
+          <a:ln>
+            <a:noFill/>
+          </a:ln>
+        </p:spPr>
+        <p:style>
+          <a:lnRef idx="2">
+            <a:schemeClr val="accent1">
+              <a:shade val="50000"/>
+            </a:schemeClr>
+          </a:lnRef>
+          <a:fillRef idx="1">
+            <a:schemeClr val="accent1"/>
+          </a:fillRef>
+          <a:effectRef idx="0">
+            <a:schemeClr val="accent1"/>
+          </a:effectRef>
+          <a:fontRef idx="minor">
+            <a:schemeClr val="lt1"/>
+          </a:fontRef>
+        </p:style>
+        <p:txBody>
+          <a:bodyPr anchor="ctr"/>
+          <a:lstStyle>
+            <a:defPPr>
+              <a:defRPr lang="zh-CN"/>
+            </a:defPPr>
+            <a:lvl1pPr algn="l" rtl="0" eaLnBrk="0" fontAlgn="base" hangingPunct="0">
+              <a:spcBef>
+                <a:spcPct val="0"/>
+              </a:spcBef>
+              <a:spcAft>
+                <a:spcPct val="0"/>
+              </a:spcAft>
+              <a:defRPr kern="1200">
+                <a:solidFill>
+                  <a:schemeClr val="lt1"/>
+                </a:solidFill>
+                <a:latin typeface="+mn-lt"/>
+                <a:ea typeface="+mn-ea"/>
+                <a:cs typeface="+mn-cs"/>
+              </a:defRPr>
+            </a:lvl1pPr>
+            <a:lvl2pPr marL="457200" algn="l" rtl="0" eaLnBrk="0" fontAlgn="base" hangingPunct="0">
+              <a:spcBef>
+                <a:spcPct val="0"/>
+              </a:spcBef>
+              <a:spcAft>
+                <a:spcPct val="0"/>
+              </a:spcAft>
+              <a:defRPr kern="1200">
+                <a:solidFill>
+                  <a:schemeClr val="lt1"/>
+                </a:solidFill>
+                <a:latin typeface="+mn-lt"/>
+                <a:ea typeface="+mn-ea"/>
+                <a:cs typeface="+mn-cs"/>
+              </a:defRPr>
+            </a:lvl2pPr>
+            <a:lvl3pPr marL="914400" algn="l" rtl="0" eaLnBrk="0" fontAlgn="base" hangingPunct="0">
+              <a:spcBef>
+                <a:spcPct val="0"/>
+              </a:spcBef>
+              <a:spcAft>
+                <a:spcPct val="0"/>
+              </a:spcAft>
+              <a:defRPr kern="1200">
+                <a:solidFill>
+                  <a:schemeClr val="lt1"/>
+                </a:solidFill>
+                <a:latin typeface="+mn-lt"/>
+                <a:ea typeface="+mn-ea"/>
+                <a:cs typeface="+mn-cs"/>
+              </a:defRPr>
+            </a:lvl3pPr>
+            <a:lvl4pPr marL="1371600" algn="l" rtl="0" eaLnBrk="0" fontAlgn="base" hangingPunct="0">
+              <a:spcBef>
+                <a:spcPct val="0"/>
+              </a:spcBef>
+              <a:spcAft>
+                <a:spcPct val="0"/>
+              </a:spcAft>
+              <a:defRPr kern="1200">
+                <a:solidFill>
+                  <a:schemeClr val="lt1"/>
+                </a:solidFill>
+                <a:latin typeface="+mn-lt"/>
+                <a:ea typeface="+mn-ea"/>
+                <a:cs typeface="+mn-cs"/>
+              </a:defRPr>
+            </a:lvl4pPr>
+            <a:lvl5pPr marL="1828800" algn="l" rtl="0" eaLnBrk="0" fontAlgn="base" hangingPunct="0">
+              <a:spcBef>
+                <a:spcPct val="0"/>
+              </a:spcBef>
+              <a:spcAft>
+                <a:spcPct val="0"/>
+              </a:spcAft>
+              <a:defRPr kern="1200">
+                <a:solidFill>
+                  <a:schemeClr val="lt1"/>
+                </a:solidFill>
+                <a:latin typeface="+mn-lt"/>
+                <a:ea typeface="+mn-ea"/>
+                <a:cs typeface="+mn-cs"/>
+              </a:defRPr>
+            </a:lvl5pPr>
+            <a:lvl6pPr marL="2286000" algn="l" defTabSz="914400" rtl="0" eaLnBrk="1" latinLnBrk="0" hangingPunct="1">
+              <a:defRPr kern="1200">
+                <a:solidFill>
+                  <a:schemeClr val="lt1"/>
+                </a:solidFill>
+                <a:latin typeface="+mn-lt"/>
+                <a:ea typeface="+mn-ea"/>
+                <a:cs typeface="+mn-cs"/>
+              </a:defRPr>
+            </a:lvl6pPr>
+            <a:lvl7pPr marL="2743200" algn="l" defTabSz="914400" rtl="0" eaLnBrk="1" latinLnBrk="0" hangingPunct="1">
+              <a:defRPr kern="1200">
+                <a:solidFill>
+                  <a:schemeClr val="lt1"/>
+                </a:solidFill>
+                <a:latin typeface="+mn-lt"/>
+                <a:ea typeface="+mn-ea"/>
+                <a:cs typeface="+mn-cs"/>
+              </a:defRPr>
+            </a:lvl7pPr>
+            <a:lvl8pPr marL="3200400" algn="l" defTabSz="914400" rtl="0" eaLnBrk="1" latinLnBrk="0" hangingPunct="1">
+              <a:defRPr kern="1200">
+                <a:solidFill>
+                  <a:schemeClr val="lt1"/>
+                </a:solidFill>
+                <a:latin typeface="+mn-lt"/>
+                <a:ea typeface="+mn-ea"/>
+                <a:cs typeface="+mn-cs"/>
+              </a:defRPr>
+            </a:lvl8pPr>
+            <a:lvl9pPr marL="3657600" algn="l" defTabSz="914400" rtl="0" eaLnBrk="1" latinLnBrk="0" hangingPunct="1">
+              <a:defRPr kern="1200">
+                <a:solidFill>
+                  <a:schemeClr val="lt1"/>
+                </a:solidFill>
+                <a:latin typeface="+mn-lt"/>
+                <a:ea typeface="+mn-ea"/>
+                <a:cs typeface="+mn-cs"/>
+              </a:defRPr>
+            </a:lvl9pPr>
+          </a:lstStyle>
+          <a:p>
+            <a:pPr algn="ctr" eaLnBrk="1" fontAlgn="auto" hangingPunct="1">
+              <a:spcBef>
+                <a:spcPts val="0"/>
+              </a:spcBef>
+              <a:spcAft>
+                <a:spcPts val="0"/>
+              </a:spcAft>
+              <a:defRPr/>
+            </a:pPr>
+            <a:endParaRPr lang="zh-CN" altLang="en-US">
+              <a:solidFill>
+                <a:srgbClr val="FFFFFF"/>
+              </a:solidFill>
+            </a:endParaRPr>
+          </a:p>
+        </p:txBody>
+      </p:sp>
+      <p:sp>
+        <p:nvSpPr>
+          <p:cNvPr id="8" name=" 2050"/>
+          <p:cNvSpPr/>
+          <p:nvPr/>
+        </p:nvSpPr>
+        <p:spPr bwMode="auto">
+          <a:xfrm>
+            <a:off x="8395946" y="1772816"/>
+            <a:ext cx="682625" cy="386715"/>
+          </a:xfrm>
+          <a:custGeom>
+            <a:avLst/>
+            <a:gdLst>
+              <a:gd name="T0" fmla="*/ 1905000 w 1360"/>
+              <a:gd name="T1" fmla="*/ 65651 h 1358"/>
+              <a:gd name="T2" fmla="*/ 1703294 w 1360"/>
+              <a:gd name="T3" fmla="*/ 205463 h 1358"/>
+              <a:gd name="T4" fmla="*/ 1507191 w 1360"/>
+              <a:gd name="T5" fmla="*/ 363512 h 1358"/>
+              <a:gd name="T6" fmla="*/ 1318092 w 1360"/>
+              <a:gd name="T7" fmla="*/ 538581 h 1358"/>
+              <a:gd name="T8" fmla="*/ 1138798 w 1360"/>
+              <a:gd name="T9" fmla="*/ 731887 h 1358"/>
+              <a:gd name="T10" fmla="*/ 970710 w 1360"/>
+              <a:gd name="T11" fmla="*/ 930055 h 1358"/>
+              <a:gd name="T12" fmla="*/ 832037 w 1360"/>
+              <a:gd name="T13" fmla="*/ 1130655 h 1358"/>
+              <a:gd name="T14" fmla="*/ 715776 w 1360"/>
+              <a:gd name="T15" fmla="*/ 1326392 h 1358"/>
+              <a:gd name="T16" fmla="*/ 624728 w 1360"/>
+              <a:gd name="T17" fmla="*/ 1520914 h 1358"/>
+              <a:gd name="T18" fmla="*/ 525276 w 1360"/>
+              <a:gd name="T19" fmla="*/ 1580486 h 1358"/>
+              <a:gd name="T20" fmla="*/ 455239 w 1360"/>
+              <a:gd name="T21" fmla="*/ 1627901 h 1358"/>
+              <a:gd name="T22" fmla="*/ 417419 w 1360"/>
+              <a:gd name="T23" fmla="*/ 1625469 h 1358"/>
+              <a:gd name="T24" fmla="*/ 390805 w 1360"/>
+              <a:gd name="T25" fmla="*/ 1551308 h 1358"/>
+              <a:gd name="T26" fmla="*/ 336176 w 1360"/>
+              <a:gd name="T27" fmla="*/ 1432163 h 1358"/>
+              <a:gd name="T28" fmla="*/ 285750 w 1360"/>
+              <a:gd name="T29" fmla="*/ 1322745 h 1358"/>
+              <a:gd name="T30" fmla="*/ 239526 w 1360"/>
+              <a:gd name="T31" fmla="*/ 1231563 h 1358"/>
+              <a:gd name="T32" fmla="*/ 196103 w 1360"/>
+              <a:gd name="T33" fmla="*/ 1158618 h 1358"/>
+              <a:gd name="T34" fmla="*/ 155482 w 1360"/>
+              <a:gd name="T35" fmla="*/ 1102693 h 1358"/>
+              <a:gd name="T36" fmla="*/ 120463 w 1360"/>
+              <a:gd name="T37" fmla="*/ 1061357 h 1358"/>
+              <a:gd name="T38" fmla="*/ 81243 w 1360"/>
+              <a:gd name="T39" fmla="*/ 1030963 h 1358"/>
+              <a:gd name="T40" fmla="*/ 40621 w 1360"/>
+              <a:gd name="T41" fmla="*/ 1011511 h 1358"/>
+              <a:gd name="T42" fmla="*/ 0 w 1360"/>
+              <a:gd name="T43" fmla="*/ 1003001 h 1358"/>
+              <a:gd name="T44" fmla="*/ 53228 w 1360"/>
+              <a:gd name="T45" fmla="*/ 960449 h 1358"/>
+              <a:gd name="T46" fmla="*/ 107857 w 1360"/>
+              <a:gd name="T47" fmla="*/ 930055 h 1358"/>
+              <a:gd name="T48" fmla="*/ 152680 w 1360"/>
+              <a:gd name="T49" fmla="*/ 914250 h 1358"/>
+              <a:gd name="T50" fmla="*/ 198904 w 1360"/>
+              <a:gd name="T51" fmla="*/ 906956 h 1358"/>
+              <a:gd name="T52" fmla="*/ 257735 w 1360"/>
+              <a:gd name="T53" fmla="*/ 925192 h 1358"/>
+              <a:gd name="T54" fmla="*/ 323570 w 1360"/>
+              <a:gd name="T55" fmla="*/ 979901 h 1358"/>
+              <a:gd name="T56" fmla="*/ 388004 w 1360"/>
+              <a:gd name="T57" fmla="*/ 1067436 h 1358"/>
+              <a:gd name="T58" fmla="*/ 458040 w 1360"/>
+              <a:gd name="T59" fmla="*/ 1191443 h 1358"/>
+              <a:gd name="T60" fmla="*/ 572901 w 1360"/>
+              <a:gd name="T61" fmla="*/ 1193875 h 1358"/>
+              <a:gd name="T62" fmla="*/ 710173 w 1360"/>
+              <a:gd name="T63" fmla="*/ 1000569 h 1358"/>
+              <a:gd name="T64" fmla="*/ 861452 w 1360"/>
+              <a:gd name="T65" fmla="*/ 813342 h 1358"/>
+              <a:gd name="T66" fmla="*/ 1025338 w 1360"/>
+              <a:gd name="T67" fmla="*/ 637057 h 1358"/>
+              <a:gd name="T68" fmla="*/ 1203232 w 1360"/>
+              <a:gd name="T69" fmla="*/ 468067 h 1358"/>
+              <a:gd name="T70" fmla="*/ 1385327 w 1360"/>
+              <a:gd name="T71" fmla="*/ 314881 h 1358"/>
+              <a:gd name="T72" fmla="*/ 1574426 w 1360"/>
+              <a:gd name="T73" fmla="*/ 175069 h 1358"/>
+              <a:gd name="T74" fmla="*/ 1764926 w 1360"/>
+              <a:gd name="T75" fmla="*/ 53493 h 1358"/>
+              <a:gd name="T76" fmla="*/ 0 60000 65536"/>
+              <a:gd name="T77" fmla="*/ 0 60000 65536"/>
+              <a:gd name="T78" fmla="*/ 0 60000 65536"/>
+              <a:gd name="T79" fmla="*/ 0 60000 65536"/>
+              <a:gd name="T80" fmla="*/ 0 60000 65536"/>
+              <a:gd name="T81" fmla="*/ 0 60000 65536"/>
+              <a:gd name="T82" fmla="*/ 0 60000 65536"/>
+              <a:gd name="T83" fmla="*/ 0 60000 65536"/>
+              <a:gd name="T84" fmla="*/ 0 60000 65536"/>
+              <a:gd name="T85" fmla="*/ 0 60000 65536"/>
+              <a:gd name="T86" fmla="*/ 0 60000 65536"/>
+              <a:gd name="T87" fmla="*/ 0 60000 65536"/>
+              <a:gd name="T88" fmla="*/ 0 60000 65536"/>
+              <a:gd name="T89" fmla="*/ 0 60000 65536"/>
+              <a:gd name="T90" fmla="*/ 0 60000 65536"/>
+              <a:gd name="T91" fmla="*/ 0 60000 65536"/>
+              <a:gd name="T92" fmla="*/ 0 60000 65536"/>
+              <a:gd name="T93" fmla="*/ 0 60000 65536"/>
+              <a:gd name="T94" fmla="*/ 0 60000 65536"/>
+              <a:gd name="T95" fmla="*/ 0 60000 65536"/>
+              <a:gd name="T96" fmla="*/ 0 60000 65536"/>
+              <a:gd name="T97" fmla="*/ 0 60000 65536"/>
+              <a:gd name="T98" fmla="*/ 0 60000 65536"/>
+              <a:gd name="T99" fmla="*/ 0 60000 65536"/>
+              <a:gd name="T100" fmla="*/ 0 60000 65536"/>
+              <a:gd name="T101" fmla="*/ 0 60000 65536"/>
+              <a:gd name="T102" fmla="*/ 0 60000 65536"/>
+              <a:gd name="T103" fmla="*/ 0 60000 65536"/>
+              <a:gd name="T104" fmla="*/ 0 60000 65536"/>
+              <a:gd name="T105" fmla="*/ 0 60000 65536"/>
+              <a:gd name="T106" fmla="*/ 0 60000 65536"/>
+              <a:gd name="T107" fmla="*/ 0 60000 65536"/>
+              <a:gd name="T108" fmla="*/ 0 60000 65536"/>
+              <a:gd name="T109" fmla="*/ 0 60000 65536"/>
+              <a:gd name="T110" fmla="*/ 0 60000 65536"/>
+              <a:gd name="T111" fmla="*/ 0 60000 65536"/>
+              <a:gd name="T112" fmla="*/ 0 60000 65536"/>
+              <a:gd name="T113" fmla="*/ 0 60000 65536"/>
+            </a:gdLst>
+            <a:ahLst/>
+            <a:cxnLst>
+              <a:cxn ang="T76">
+                <a:pos x="T0" y="T1"/>
+              </a:cxn>
+              <a:cxn ang="T77">
+                <a:pos x="T2" y="T3"/>
+              </a:cxn>
+              <a:cxn ang="T78">
+                <a:pos x="T4" y="T5"/>
+              </a:cxn>
+              <a:cxn ang="T79">
+                <a:pos x="T6" y="T7"/>
+              </a:cxn>
+              <a:cxn ang="T80">
+                <a:pos x="T8" y="T9"/>
+              </a:cxn>
+              <a:cxn ang="T81">
+                <a:pos x="T10" y="T11"/>
+              </a:cxn>
+              <a:cxn ang="T82">
+                <a:pos x="T12" y="T13"/>
+              </a:cxn>
+              <a:cxn ang="T83">
+                <a:pos x="T14" y="T15"/>
+              </a:cxn>
+              <a:cxn ang="T84">
+                <a:pos x="T16" y="T17"/>
+              </a:cxn>
+              <a:cxn ang="T85">
+                <a:pos x="T18" y="T19"/>
+              </a:cxn>
+              <a:cxn ang="T86">
+                <a:pos x="T20" y="T21"/>
+              </a:cxn>
+              <a:cxn ang="T87">
+                <a:pos x="T22" y="T23"/>
+              </a:cxn>
+              <a:cxn ang="T88">
+                <a:pos x="T24" y="T25"/>
+              </a:cxn>
+              <a:cxn ang="T89">
+                <a:pos x="T26" y="T27"/>
+              </a:cxn>
+              <a:cxn ang="T90">
+                <a:pos x="T28" y="T29"/>
+              </a:cxn>
+              <a:cxn ang="T91">
+                <a:pos x="T30" y="T31"/>
+              </a:cxn>
+              <a:cxn ang="T92">
+                <a:pos x="T32" y="T33"/>
+              </a:cxn>
+              <a:cxn ang="T93">
+                <a:pos x="T34" y="T35"/>
+              </a:cxn>
+              <a:cxn ang="T94">
+                <a:pos x="T36" y="T37"/>
+              </a:cxn>
+              <a:cxn ang="T95">
+                <a:pos x="T38" y="T39"/>
+              </a:cxn>
+              <a:cxn ang="T96">
+                <a:pos x="T40" y="T41"/>
+              </a:cxn>
+              <a:cxn ang="T97">
+                <a:pos x="T42" y="T43"/>
+              </a:cxn>
+              <a:cxn ang="T98">
+                <a:pos x="T44" y="T45"/>
+              </a:cxn>
+              <a:cxn ang="T99">
+                <a:pos x="T46" y="T47"/>
+              </a:cxn>
+              <a:cxn ang="T100">
+                <a:pos x="T48" y="T49"/>
+              </a:cxn>
+              <a:cxn ang="T101">
+                <a:pos x="T50" y="T51"/>
+              </a:cxn>
+              <a:cxn ang="T102">
+                <a:pos x="T52" y="T53"/>
+              </a:cxn>
+              <a:cxn ang="T103">
+                <a:pos x="T54" y="T55"/>
+              </a:cxn>
+              <a:cxn ang="T104">
+                <a:pos x="T56" y="T57"/>
+              </a:cxn>
+              <a:cxn ang="T105">
+                <a:pos x="T58" y="T59"/>
+              </a:cxn>
+              <a:cxn ang="T106">
+                <a:pos x="T60" y="T61"/>
+              </a:cxn>
+              <a:cxn ang="T107">
+                <a:pos x="T62" y="T63"/>
+              </a:cxn>
+              <a:cxn ang="T108">
+                <a:pos x="T64" y="T65"/>
+              </a:cxn>
+              <a:cxn ang="T109">
+                <a:pos x="T66" y="T67"/>
+              </a:cxn>
+              <a:cxn ang="T110">
+                <a:pos x="T68" y="T69"/>
+              </a:cxn>
+              <a:cxn ang="T111">
+                <a:pos x="T70" y="T71"/>
+              </a:cxn>
+              <a:cxn ang="T112">
+                <a:pos x="T72" y="T73"/>
+              </a:cxn>
+              <a:cxn ang="T113">
+                <a:pos x="T74" y="T75"/>
+              </a:cxn>
+            </a:cxnLst>
+            <a:rect l="0" t="0" r="r" b="b"/>
+            <a:pathLst>
+              <a:path w="1360" h="1358">
+                <a:moveTo>
+                  <a:pt x="1331" y="0"/>
+                </a:moveTo>
+                <a:lnTo>
+                  <a:pt x="1360" y="54"/>
+                </a:lnTo>
+                <a:lnTo>
+                  <a:pt x="1287" y="109"/>
+                </a:lnTo>
+                <a:lnTo>
+                  <a:pt x="1216" y="169"/>
+                </a:lnTo>
+                <a:lnTo>
+                  <a:pt x="1145" y="232"/>
+                </a:lnTo>
+                <a:lnTo>
+                  <a:pt x="1076" y="299"/>
+                </a:lnTo>
+                <a:lnTo>
+                  <a:pt x="1007" y="368"/>
+                </a:lnTo>
+                <a:lnTo>
+                  <a:pt x="941" y="443"/>
+                </a:lnTo>
+                <a:lnTo>
+                  <a:pt x="876" y="520"/>
+                </a:lnTo>
+                <a:lnTo>
+                  <a:pt x="813" y="602"/>
+                </a:lnTo>
+                <a:lnTo>
+                  <a:pt x="751" y="685"/>
+                </a:lnTo>
+                <a:lnTo>
+                  <a:pt x="693" y="765"/>
+                </a:lnTo>
+                <a:lnTo>
+                  <a:pt x="642" y="848"/>
+                </a:lnTo>
+                <a:lnTo>
+                  <a:pt x="594" y="930"/>
+                </a:lnTo>
+                <a:lnTo>
+                  <a:pt x="551" y="1011"/>
+                </a:lnTo>
+                <a:lnTo>
+                  <a:pt x="511" y="1091"/>
+                </a:lnTo>
+                <a:lnTo>
+                  <a:pt x="476" y="1172"/>
+                </a:lnTo>
+                <a:lnTo>
+                  <a:pt x="446" y="1251"/>
+                </a:lnTo>
+                <a:lnTo>
+                  <a:pt x="401" y="1281"/>
+                </a:lnTo>
+                <a:lnTo>
+                  <a:pt x="375" y="1300"/>
+                </a:lnTo>
+                <a:lnTo>
+                  <a:pt x="348" y="1320"/>
+                </a:lnTo>
+                <a:lnTo>
+                  <a:pt x="325" y="1339"/>
+                </a:lnTo>
+                <a:lnTo>
+                  <a:pt x="304" y="1358"/>
+                </a:lnTo>
+                <a:lnTo>
+                  <a:pt x="298" y="1337"/>
+                </a:lnTo>
+                <a:lnTo>
+                  <a:pt x="290" y="1310"/>
+                </a:lnTo>
+                <a:lnTo>
+                  <a:pt x="279" y="1276"/>
+                </a:lnTo>
+                <a:lnTo>
+                  <a:pt x="263" y="1237"/>
+                </a:lnTo>
+                <a:lnTo>
+                  <a:pt x="240" y="1178"/>
+                </a:lnTo>
+                <a:lnTo>
+                  <a:pt x="221" y="1132"/>
+                </a:lnTo>
+                <a:lnTo>
+                  <a:pt x="204" y="1088"/>
+                </a:lnTo>
+                <a:lnTo>
+                  <a:pt x="186" y="1049"/>
+                </a:lnTo>
+                <a:lnTo>
+                  <a:pt x="171" y="1013"/>
+                </a:lnTo>
+                <a:lnTo>
+                  <a:pt x="156" y="982"/>
+                </a:lnTo>
+                <a:lnTo>
+                  <a:pt x="140" y="953"/>
+                </a:lnTo>
+                <a:lnTo>
+                  <a:pt x="125" y="928"/>
+                </a:lnTo>
+                <a:lnTo>
+                  <a:pt x="111" y="907"/>
+                </a:lnTo>
+                <a:lnTo>
+                  <a:pt x="100" y="890"/>
+                </a:lnTo>
+                <a:lnTo>
+                  <a:pt x="86" y="873"/>
+                </a:lnTo>
+                <a:lnTo>
+                  <a:pt x="71" y="859"/>
+                </a:lnTo>
+                <a:lnTo>
+                  <a:pt x="58" y="848"/>
+                </a:lnTo>
+                <a:lnTo>
+                  <a:pt x="44" y="838"/>
+                </a:lnTo>
+                <a:lnTo>
+                  <a:pt x="29" y="832"/>
+                </a:lnTo>
+                <a:lnTo>
+                  <a:pt x="15" y="827"/>
+                </a:lnTo>
+                <a:lnTo>
+                  <a:pt x="0" y="825"/>
+                </a:lnTo>
+                <a:lnTo>
+                  <a:pt x="19" y="806"/>
+                </a:lnTo>
+                <a:lnTo>
+                  <a:pt x="38" y="790"/>
+                </a:lnTo>
+                <a:lnTo>
+                  <a:pt x="58" y="777"/>
+                </a:lnTo>
+                <a:lnTo>
+                  <a:pt x="77" y="765"/>
+                </a:lnTo>
+                <a:lnTo>
+                  <a:pt x="94" y="758"/>
+                </a:lnTo>
+                <a:lnTo>
+                  <a:pt x="109" y="752"/>
+                </a:lnTo>
+                <a:lnTo>
+                  <a:pt x="127" y="748"/>
+                </a:lnTo>
+                <a:lnTo>
+                  <a:pt x="142" y="746"/>
+                </a:lnTo>
+                <a:lnTo>
+                  <a:pt x="163" y="750"/>
+                </a:lnTo>
+                <a:lnTo>
+                  <a:pt x="184" y="761"/>
+                </a:lnTo>
+                <a:lnTo>
+                  <a:pt x="207" y="779"/>
+                </a:lnTo>
+                <a:lnTo>
+                  <a:pt x="231" y="806"/>
+                </a:lnTo>
+                <a:lnTo>
+                  <a:pt x="254" y="838"/>
+                </a:lnTo>
+                <a:lnTo>
+                  <a:pt x="277" y="878"/>
+                </a:lnTo>
+                <a:lnTo>
+                  <a:pt x="302" y="924"/>
+                </a:lnTo>
+                <a:lnTo>
+                  <a:pt x="327" y="980"/>
+                </a:lnTo>
+                <a:lnTo>
+                  <a:pt x="363" y="1063"/>
+                </a:lnTo>
+                <a:lnTo>
+                  <a:pt x="409" y="982"/>
+                </a:lnTo>
+                <a:lnTo>
+                  <a:pt x="457" y="901"/>
+                </a:lnTo>
+                <a:lnTo>
+                  <a:pt x="507" y="823"/>
+                </a:lnTo>
+                <a:lnTo>
+                  <a:pt x="561" y="744"/>
+                </a:lnTo>
+                <a:lnTo>
+                  <a:pt x="615" y="669"/>
+                </a:lnTo>
+                <a:lnTo>
+                  <a:pt x="672" y="596"/>
+                </a:lnTo>
+                <a:lnTo>
+                  <a:pt x="732" y="524"/>
+                </a:lnTo>
+                <a:lnTo>
+                  <a:pt x="795" y="453"/>
+                </a:lnTo>
+                <a:lnTo>
+                  <a:pt x="859" y="385"/>
+                </a:lnTo>
+                <a:lnTo>
+                  <a:pt x="924" y="320"/>
+                </a:lnTo>
+                <a:lnTo>
+                  <a:pt x="989" y="259"/>
+                </a:lnTo>
+                <a:lnTo>
+                  <a:pt x="1055" y="199"/>
+                </a:lnTo>
+                <a:lnTo>
+                  <a:pt x="1124" y="144"/>
+                </a:lnTo>
+                <a:lnTo>
+                  <a:pt x="1191" y="92"/>
+                </a:lnTo>
+                <a:lnTo>
+                  <a:pt x="1260" y="44"/>
+                </a:lnTo>
+                <a:lnTo>
+                  <a:pt x="1331" y="0"/>
+                </a:lnTo>
+                <a:close/>
+              </a:path>
+            </a:pathLst>
+          </a:custGeom>
+          <a:gradFill>
+            <a:gsLst>
+              <a:gs pos="0">
+                <a:srgbClr val="E30000"/>
+              </a:gs>
+              <a:gs pos="100000">
+                <a:srgbClr val="760303"/>
+              </a:gs>
+            </a:gsLst>
+            <a:lin ang="5400000" scaled="0"/>
+          </a:gradFill>
+          <a:ln>
+            <a:noFill/>
+          </a:ln>
+          <a:extLst>
+            <a:ext uri="{91240B29-F687-4F45-9708-019B960494DF}">
+              <a14:hiddenLine xmlns:a14="http://schemas.microsoft.com/office/drawing/2010/main" w="9525">
+                <a:solidFill>
+                  <a:srgbClr val="000000"/>
+                </a:solidFill>
+                <a:round/>
+              </a14:hiddenLine>
+            </a:ext>
+          </a:extLst>
+        </p:spPr>
+        <p:txBody>
+          <a:bodyPr lIns="68580" tIns="34290" rIns="68580" bIns="34290" anchor="ctr"/>
+          <a:lstStyle>
+            <a:defPPr>
+              <a:defRPr lang="zh-CN"/>
+            </a:defPPr>
+            <a:lvl1pPr algn="l" rtl="0" eaLnBrk="0" fontAlgn="base" hangingPunct="0">
+              <a:spcBef>
+                <a:spcPct val="0"/>
+              </a:spcBef>
+              <a:spcAft>
+                <a:spcPct val="0"/>
+              </a:spcAft>
+              <a:defRPr kern="1200">
+                <a:solidFill>
+                  <a:schemeClr val="tx1"/>
+                </a:solidFill>
+                <a:latin typeface="Calibri" panose="020F0502020204030204" charset="0"/>
+                <a:ea typeface="宋体" panose="02010600030101010101" pitchFamily="2" charset="-122"/>
+                <a:cs typeface="+mn-cs"/>
+              </a:defRPr>
+            </a:lvl1pPr>
+            <a:lvl2pPr marL="457200" algn="l" rtl="0" eaLnBrk="0" fontAlgn="base" hangingPunct="0">
+              <a:spcBef>
+                <a:spcPct val="0"/>
+              </a:spcBef>
+              <a:spcAft>
+                <a:spcPct val="0"/>
+              </a:spcAft>
+              <a:defRPr kern="1200">
+                <a:solidFill>
+                  <a:schemeClr val="tx1"/>
+                </a:solidFill>
+                <a:latin typeface="Calibri" panose="020F0502020204030204" charset="0"/>
+                <a:ea typeface="宋体" panose="02010600030101010101" pitchFamily="2" charset="-122"/>
+                <a:cs typeface="+mn-cs"/>
+              </a:defRPr>
+            </a:lvl2pPr>
+            <a:lvl3pPr marL="914400" algn="l" rtl="0" eaLnBrk="0" fontAlgn="base" hangingPunct="0">
+              <a:spcBef>
+                <a:spcPct val="0"/>
+              </a:spcBef>
+              <a:spcAft>
+                <a:spcPct val="0"/>
+              </a:spcAft>
+              <a:defRPr kern="1200">
+                <a:solidFill>
+                  <a:schemeClr val="tx1"/>
+                </a:solidFill>
+                <a:latin typeface="Calibri" panose="020F0502020204030204" charset="0"/>
+                <a:ea typeface="宋体" panose="02010600030101010101" pitchFamily="2" charset="-122"/>
+                <a:cs typeface="+mn-cs"/>
+              </a:defRPr>
+            </a:lvl3pPr>
+            <a:lvl4pPr marL="1371600" algn="l" rtl="0" eaLnBrk="0" fontAlgn="base" hangingPunct="0">
+              <a:spcBef>
+                <a:spcPct val="0"/>
+              </a:spcBef>
+              <a:spcAft>
+                <a:spcPct val="0"/>
+              </a:spcAft>
+              <a:defRPr kern="1200">
+                <a:solidFill>
+                  <a:schemeClr val="tx1"/>
+                </a:solidFill>
+                <a:latin typeface="Calibri" panose="020F0502020204030204" charset="0"/>
+                <a:ea typeface="宋体" panose="02010600030101010101" pitchFamily="2" charset="-122"/>
+                <a:cs typeface="+mn-cs"/>
+              </a:defRPr>
+            </a:lvl4pPr>
+            <a:lvl5pPr marL="1828800" algn="l" rtl="0" eaLnBrk="0" fontAlgn="base" hangingPunct="0">
+              <a:spcBef>
+                <a:spcPct val="0"/>
+              </a:spcBef>
+              <a:spcAft>
+                <a:spcPct val="0"/>
+              </a:spcAft>
+              <a:defRPr kern="1200">
+                <a:solidFill>
+                  <a:schemeClr val="tx1"/>
+                </a:solidFill>
+                <a:latin typeface="Calibri" panose="020F0502020204030204" charset="0"/>
+                <a:ea typeface="宋体" panose="02010600030101010101" pitchFamily="2" charset="-122"/>
+                <a:cs typeface="+mn-cs"/>
+              </a:defRPr>
+            </a:lvl5pPr>
+            <a:lvl6pPr marL="2286000" algn="l" defTabSz="914400" rtl="0" eaLnBrk="1" latinLnBrk="0" hangingPunct="1">
+              <a:defRPr kern="1200">
+                <a:solidFill>
+                  <a:schemeClr val="tx1"/>
+                </a:solidFill>
+                <a:latin typeface="Calibri" panose="020F0502020204030204" charset="0"/>
+                <a:ea typeface="宋体" panose="02010600030101010101" pitchFamily="2" charset="-122"/>
+                <a:cs typeface="+mn-cs"/>
+              </a:defRPr>
+            </a:lvl6pPr>
+            <a:lvl7pPr marL="2743200" algn="l" defTabSz="914400" rtl="0" eaLnBrk="1" latinLnBrk="0" hangingPunct="1">
+              <a:defRPr kern="1200">
+                <a:solidFill>
+                  <a:schemeClr val="tx1"/>
+                </a:solidFill>
+                <a:latin typeface="Calibri" panose="020F0502020204030204" charset="0"/>
+                <a:ea typeface="宋体" panose="02010600030101010101" pitchFamily="2" charset="-122"/>
+                <a:cs typeface="+mn-cs"/>
+              </a:defRPr>
+            </a:lvl7pPr>
+            <a:lvl8pPr marL="3200400" algn="l" defTabSz="914400" rtl="0" eaLnBrk="1" latinLnBrk="0" hangingPunct="1">
+              <a:defRPr kern="1200">
+                <a:solidFill>
+                  <a:schemeClr val="tx1"/>
+                </a:solidFill>
+                <a:latin typeface="Calibri" panose="020F0502020204030204" charset="0"/>
+                <a:ea typeface="宋体" panose="02010600030101010101" pitchFamily="2" charset="-122"/>
+                <a:cs typeface="+mn-cs"/>
+              </a:defRPr>
+            </a:lvl8pPr>
+            <a:lvl9pPr marL="3657600" algn="l" defTabSz="914400" rtl="0" eaLnBrk="1" latinLnBrk="0" hangingPunct="1">
+              <a:defRPr kern="1200">
+                <a:solidFill>
+                  <a:schemeClr val="tx1"/>
+                </a:solidFill>
+                <a:latin typeface="Calibri" panose="020F0502020204030204" charset="0"/>
+                <a:ea typeface="宋体" panose="02010600030101010101" pitchFamily="2" charset="-122"/>
+                <a:cs typeface="+mn-cs"/>
+              </a:defRPr>
+            </a:lvl9pPr>
+          </a:lstStyle>
+          <a:p>
+            <a:endParaRPr lang="zh-CN" altLang="en-US"/>
+          </a:p>
+        </p:txBody>
+      </p:sp>
+      <p:sp>
+        <p:nvSpPr>
+          <p:cNvPr id="11" name=" 252"/>
+          <p:cNvSpPr/>
+          <p:nvPr/>
+        </p:nvSpPr>
+        <p:spPr>
+          <a:xfrm rot="2640000">
+            <a:off x="8329942" y="2879482"/>
+            <a:ext cx="610740" cy="643751"/>
+          </a:xfrm>
+          <a:prstGeom prst="mathPlus">
+            <a:avLst>
+              <a:gd name="adj1" fmla="val 9220"/>
+            </a:avLst>
+          </a:prstGeom>
+          <a:gradFill>
+            <a:gsLst>
+              <a:gs pos="0">
+                <a:srgbClr val="E30000"/>
+              </a:gs>
+              <a:gs pos="100000">
+                <a:srgbClr val="760303"/>
+              </a:gs>
+            </a:gsLst>
+            <a:lin ang="5400000" scaled="0"/>
+          </a:gradFill>
+          <a:ln>
+            <a:noFill/>
+          </a:ln>
+        </p:spPr>
+        <p:style>
+          <a:lnRef idx="2">
+            <a:schemeClr val="accent1">
+              <a:shade val="50000"/>
+            </a:schemeClr>
+          </a:lnRef>
+          <a:fillRef idx="1">
+            <a:schemeClr val="accent1"/>
+          </a:fillRef>
+          <a:effectRef idx="0">
+            <a:schemeClr val="accent1"/>
+          </a:effectRef>
+          <a:fontRef idx="minor">
+            <a:schemeClr val="lt1"/>
+          </a:fontRef>
+        </p:style>
+        <p:txBody>
+          <a:bodyPr anchor="ctr"/>
+          <a:lstStyle>
+            <a:defPPr>
+              <a:defRPr lang="zh-CN"/>
+            </a:defPPr>
+            <a:lvl1pPr algn="l" rtl="0" eaLnBrk="0" fontAlgn="base" hangingPunct="0">
+              <a:spcBef>
+                <a:spcPct val="0"/>
+              </a:spcBef>
+              <a:spcAft>
+                <a:spcPct val="0"/>
+              </a:spcAft>
+              <a:defRPr kern="1200">
+                <a:solidFill>
+                  <a:schemeClr val="lt1"/>
+                </a:solidFill>
+                <a:latin typeface="+mn-lt"/>
+                <a:ea typeface="+mn-ea"/>
+                <a:cs typeface="+mn-cs"/>
+              </a:defRPr>
+            </a:lvl1pPr>
+            <a:lvl2pPr marL="457200" algn="l" rtl="0" eaLnBrk="0" fontAlgn="base" hangingPunct="0">
+              <a:spcBef>
+                <a:spcPct val="0"/>
+              </a:spcBef>
+              <a:spcAft>
+                <a:spcPct val="0"/>
+              </a:spcAft>
+              <a:defRPr kern="1200">
+                <a:solidFill>
+                  <a:schemeClr val="lt1"/>
+                </a:solidFill>
+                <a:latin typeface="+mn-lt"/>
+                <a:ea typeface="+mn-ea"/>
+                <a:cs typeface="+mn-cs"/>
+              </a:defRPr>
+            </a:lvl2pPr>
+            <a:lvl3pPr marL="914400" algn="l" rtl="0" eaLnBrk="0" fontAlgn="base" hangingPunct="0">
+              <a:spcBef>
+                <a:spcPct val="0"/>
+              </a:spcBef>
+              <a:spcAft>
+                <a:spcPct val="0"/>
+              </a:spcAft>
+              <a:defRPr kern="1200">
+                <a:solidFill>
+                  <a:schemeClr val="lt1"/>
+                </a:solidFill>
+                <a:latin typeface="+mn-lt"/>
+                <a:ea typeface="+mn-ea"/>
+                <a:cs typeface="+mn-cs"/>
+              </a:defRPr>
+            </a:lvl3pPr>
+            <a:lvl4pPr marL="1371600" algn="l" rtl="0" eaLnBrk="0" fontAlgn="base" hangingPunct="0">
+              <a:spcBef>
+                <a:spcPct val="0"/>
+              </a:spcBef>
+              <a:spcAft>
+                <a:spcPct val="0"/>
+              </a:spcAft>
+              <a:defRPr kern="1200">
+                <a:solidFill>
+                  <a:schemeClr val="lt1"/>
+                </a:solidFill>
+                <a:latin typeface="+mn-lt"/>
+                <a:ea typeface="+mn-ea"/>
+                <a:cs typeface="+mn-cs"/>
+              </a:defRPr>
+            </a:lvl4pPr>
+            <a:lvl5pPr marL="1828800" algn="l" rtl="0" eaLnBrk="0" fontAlgn="base" hangingPunct="0">
+              <a:spcBef>
+                <a:spcPct val="0"/>
+              </a:spcBef>
+              <a:spcAft>
+                <a:spcPct val="0"/>
+              </a:spcAft>
+              <a:defRPr kern="1200">
+                <a:solidFill>
+                  <a:schemeClr val="lt1"/>
+                </a:solidFill>
+                <a:latin typeface="+mn-lt"/>
+                <a:ea typeface="+mn-ea"/>
+                <a:cs typeface="+mn-cs"/>
+              </a:defRPr>
+            </a:lvl5pPr>
+            <a:lvl6pPr marL="2286000" algn="l" defTabSz="914400" rtl="0" eaLnBrk="1" latinLnBrk="0" hangingPunct="1">
+              <a:defRPr kern="1200">
+                <a:solidFill>
+                  <a:schemeClr val="lt1"/>
+                </a:solidFill>
+                <a:latin typeface="+mn-lt"/>
+                <a:ea typeface="+mn-ea"/>
+                <a:cs typeface="+mn-cs"/>
+              </a:defRPr>
+            </a:lvl6pPr>
+            <a:lvl7pPr marL="2743200" algn="l" defTabSz="914400" rtl="0" eaLnBrk="1" latinLnBrk="0" hangingPunct="1">
+              <a:defRPr kern="1200">
+                <a:solidFill>
+                  <a:schemeClr val="lt1"/>
+                </a:solidFill>
+                <a:latin typeface="+mn-lt"/>
+                <a:ea typeface="+mn-ea"/>
+                <a:cs typeface="+mn-cs"/>
+              </a:defRPr>
+            </a:lvl7pPr>
+            <a:lvl8pPr marL="3200400" algn="l" defTabSz="914400" rtl="0" eaLnBrk="1" latinLnBrk="0" hangingPunct="1">
+              <a:defRPr kern="1200">
+                <a:solidFill>
+                  <a:schemeClr val="lt1"/>
+                </a:solidFill>
+                <a:latin typeface="+mn-lt"/>
+                <a:ea typeface="+mn-ea"/>
+                <a:cs typeface="+mn-cs"/>
+              </a:defRPr>
+            </a:lvl8pPr>
+            <a:lvl9pPr marL="3657600" algn="l" defTabSz="914400" rtl="0" eaLnBrk="1" latinLnBrk="0" hangingPunct="1">
+              <a:defRPr kern="1200">
+                <a:solidFill>
+                  <a:schemeClr val="lt1"/>
+                </a:solidFill>
+                <a:latin typeface="+mn-lt"/>
+                <a:ea typeface="+mn-ea"/>
+                <a:cs typeface="+mn-cs"/>
+              </a:defRPr>
+            </a:lvl9pPr>
+          </a:lstStyle>
+          <a:p>
+            <a:pPr algn="ctr" eaLnBrk="1" fontAlgn="auto" hangingPunct="1">
+              <a:spcBef>
+                <a:spcPts val="0"/>
+              </a:spcBef>
+              <a:spcAft>
+                <a:spcPts val="0"/>
+              </a:spcAft>
+              <a:defRPr/>
+            </a:pPr>
+            <a:endParaRPr lang="zh-CN" altLang="en-US">
+              <a:solidFill>
+                <a:srgbClr val="FFFFFF"/>
+              </a:solidFill>
+            </a:endParaRPr>
           </a:p>
         </p:txBody>
       </p:sp>
@@ -8924,21 +9011,228 @@
                             </p:childTnLst>
                           </p:cTn>
                         </p:par>
+                      </p:childTnLst>
+                    </p:cTn>
+                  </p:par>
+                  <p:par>
+                    <p:cTn id="13" fill="hold">
+                      <p:stCondLst>
+                        <p:cond delay="indefinite"/>
+                      </p:stCondLst>
+                      <p:childTnLst>
                         <p:par>
-                          <p:cTn id="13" fill="hold">
+                          <p:cTn id="14" fill="hold">
                             <p:stCondLst>
-                              <p:cond delay="500"/>
+                              <p:cond delay="0"/>
                             </p:stCondLst>
                             <p:childTnLst>
                               <p:par>
-                                <p:cTn id="14" presetID="12" presetClass="entr" presetSubtype="4" fill="hold" nodeType="afterEffect">
+                                <p:cTn id="15" presetID="42" presetClass="entr" presetSubtype="0" fill="hold" grpId="4" nodeType="clickEffect">
                                   <p:stCondLst>
                                     <p:cond delay="0"/>
                                   </p:stCondLst>
                                   <p:childTnLst>
                                     <p:set>
                                       <p:cBhvr>
-                                        <p:cTn id="15" dur="1" fill="hold">
+                                        <p:cTn id="16" dur="1" fill="hold">
+                                          <p:stCondLst>
+                                            <p:cond delay="0"/>
+                                          </p:stCondLst>
+                                        </p:cTn>
+                                        <p:tgtEl>
+                                          <p:spTgt spid="5"/>
+                                        </p:tgtEl>
+                                        <p:attrNameLst>
+                                          <p:attrName>style.visibility</p:attrName>
+                                        </p:attrNameLst>
+                                      </p:cBhvr>
+                                      <p:to>
+                                        <p:strVal val="visible"/>
+                                      </p:to>
+                                    </p:set>
+                                    <p:animEffect transition="in" filter="fade">
+                                      <p:cBhvr>
+                                        <p:cTn id="17" dur="1000"/>
+                                        <p:tgtEl>
+                                          <p:spTgt spid="5"/>
+                                        </p:tgtEl>
+                                      </p:cBhvr>
+                                    </p:animEffect>
+                                    <p:anim calcmode="lin" valueType="num">
+                                      <p:cBhvr>
+                                        <p:cTn id="18" dur="1000" fill="hold"/>
+                                        <p:tgtEl>
+                                          <p:spTgt spid="5"/>
+                                        </p:tgtEl>
+                                        <p:attrNameLst>
+                                          <p:attrName>ppt_x</p:attrName>
+                                        </p:attrNameLst>
+                                      </p:cBhvr>
+                                      <p:tavLst>
+                                        <p:tav tm="0">
+                                          <p:val>
+                                            <p:strVal val="#ppt_x"/>
+                                          </p:val>
+                                        </p:tav>
+                                        <p:tav tm="100000">
+                                          <p:val>
+                                            <p:strVal val="#ppt_x"/>
+                                          </p:val>
+                                        </p:tav>
+                                      </p:tavLst>
+                                    </p:anim>
+                                    <p:anim calcmode="lin" valueType="num">
+                                      <p:cBhvr>
+                                        <p:cTn id="19" dur="1000" fill="hold"/>
+                                        <p:tgtEl>
+                                          <p:spTgt spid="5"/>
+                                        </p:tgtEl>
+                                        <p:attrNameLst>
+                                          <p:attrName>ppt_y</p:attrName>
+                                        </p:attrNameLst>
+                                      </p:cBhvr>
+                                      <p:tavLst>
+                                        <p:tav tm="0">
+                                          <p:val>
+                                            <p:strVal val="#ppt_y+.1"/>
+                                          </p:val>
+                                        </p:tav>
+                                        <p:tav tm="100000">
+                                          <p:val>
+                                            <p:strVal val="#ppt_y"/>
+                                          </p:val>
+                                        </p:tav>
+                                      </p:tavLst>
+                                    </p:anim>
+                                  </p:childTnLst>
+                                </p:cTn>
+                              </p:par>
+                            </p:childTnLst>
+                          </p:cTn>
+                        </p:par>
+                      </p:childTnLst>
+                    </p:cTn>
+                  </p:par>
+                  <p:par>
+                    <p:cTn id="20" fill="hold">
+                      <p:stCondLst>
+                        <p:cond delay="indefinite"/>
+                      </p:stCondLst>
+                      <p:childTnLst>
+                        <p:par>
+                          <p:cTn id="21" fill="hold">
+                            <p:stCondLst>
+                              <p:cond delay="0"/>
+                            </p:stCondLst>
+                            <p:childTnLst>
+                              <p:par>
+                                <p:cTn id="22" presetID="42" presetClass="entr" presetSubtype="0" fill="hold" grpId="4" nodeType="clickEffect">
+                                  <p:stCondLst>
+                                    <p:cond delay="0"/>
+                                  </p:stCondLst>
+                                  <p:childTnLst>
+                                    <p:set>
+                                      <p:cBhvr>
+                                        <p:cTn id="23" dur="1" fill="hold">
+                                          <p:stCondLst>
+                                            <p:cond delay="0"/>
+                                          </p:stCondLst>
+                                        </p:cTn>
+                                        <p:tgtEl>
+                                          <p:spTgt spid="8"/>
+                                        </p:tgtEl>
+                                        <p:attrNameLst>
+                                          <p:attrName>style.visibility</p:attrName>
+                                        </p:attrNameLst>
+                                      </p:cBhvr>
+                                      <p:to>
+                                        <p:strVal val="visible"/>
+                                      </p:to>
+                                    </p:set>
+                                    <p:animEffect transition="in" filter="fade">
+                                      <p:cBhvr>
+                                        <p:cTn id="24" dur="1000"/>
+                                        <p:tgtEl>
+                                          <p:spTgt spid="8"/>
+                                        </p:tgtEl>
+                                      </p:cBhvr>
+                                    </p:animEffect>
+                                    <p:anim calcmode="lin" valueType="num">
+                                      <p:cBhvr>
+                                        <p:cTn id="25" dur="1000" fill="hold"/>
+                                        <p:tgtEl>
+                                          <p:spTgt spid="8"/>
+                                        </p:tgtEl>
+                                        <p:attrNameLst>
+                                          <p:attrName>ppt_x</p:attrName>
+                                        </p:attrNameLst>
+                                      </p:cBhvr>
+                                      <p:tavLst>
+                                        <p:tav tm="0">
+                                          <p:val>
+                                            <p:strVal val="#ppt_x"/>
+                                          </p:val>
+                                        </p:tav>
+                                        <p:tav tm="100000">
+                                          <p:val>
+                                            <p:strVal val="#ppt_x"/>
+                                          </p:val>
+                                        </p:tav>
+                                      </p:tavLst>
+                                    </p:anim>
+                                    <p:anim calcmode="lin" valueType="num">
+                                      <p:cBhvr>
+                                        <p:cTn id="26" dur="1000" fill="hold"/>
+                                        <p:tgtEl>
+                                          <p:spTgt spid="8"/>
+                                        </p:tgtEl>
+                                        <p:attrNameLst>
+                                          <p:attrName>ppt_y</p:attrName>
+                                        </p:attrNameLst>
+                                      </p:cBhvr>
+                                      <p:tavLst>
+                                        <p:tav tm="0">
+                                          <p:val>
+                                            <p:strVal val="#ppt_y+.1"/>
+                                          </p:val>
+                                        </p:tav>
+                                        <p:tav tm="100000">
+                                          <p:val>
+                                            <p:strVal val="#ppt_y"/>
+                                          </p:val>
+                                        </p:tav>
+                                      </p:tavLst>
+                                    </p:anim>
+                                  </p:childTnLst>
+                                </p:cTn>
+                              </p:par>
+                            </p:childTnLst>
+                          </p:cTn>
+                        </p:par>
+                      </p:childTnLst>
+                    </p:cTn>
+                  </p:par>
+                  <p:par>
+                    <p:cTn id="27" fill="hold">
+                      <p:stCondLst>
+                        <p:cond delay="indefinite"/>
+                      </p:stCondLst>
+                      <p:childTnLst>
+                        <p:par>
+                          <p:cTn id="28" fill="hold">
+                            <p:stCondLst>
+                              <p:cond delay="0"/>
+                            </p:stCondLst>
+                            <p:childTnLst>
+                              <p:par>
+                                <p:cTn id="29" presetID="12" presetClass="entr" presetSubtype="4" fill="hold" nodeType="clickEffect">
+                                  <p:stCondLst>
+                                    <p:cond delay="0"/>
+                                  </p:stCondLst>
+                                  <p:childTnLst>
+                                    <p:set>
+                                      <p:cBhvr>
+                                        <p:cTn id="30" dur="1" fill="hold">
                                           <p:stCondLst>
                                             <p:cond delay="0"/>
                                           </p:stCondLst>
@@ -8960,7 +9254,7 @@
                                     </p:set>
                                     <p:anim calcmode="lin" valueType="num">
                                       <p:cBhvr additive="base">
-                                        <p:cTn id="16" dur="500"/>
+                                        <p:cTn id="31" dur="500"/>
                                         <p:tgtEl>
                                           <p:spTgt spid="4">
                                             <p:txEl>
@@ -8987,7 +9281,7 @@
                                     </p:anim>
                                     <p:animEffect transition="in" filter="wipe(up)">
                                       <p:cBhvr>
-                                        <p:cTn id="17" dur="500"/>
+                                        <p:cTn id="32" dur="500"/>
                                         <p:tgtEl>
                                           <p:spTgt spid="4">
                                             <p:txEl>
@@ -9003,21 +9297,129 @@
                             </p:childTnLst>
                           </p:cTn>
                         </p:par>
+                      </p:childTnLst>
+                    </p:cTn>
+                  </p:par>
+                  <p:par>
+                    <p:cTn id="33" fill="hold">
+                      <p:stCondLst>
+                        <p:cond delay="indefinite"/>
+                      </p:stCondLst>
+                      <p:childTnLst>
                         <p:par>
-                          <p:cTn id="18" fill="hold">
+                          <p:cTn id="34" fill="hold">
                             <p:stCondLst>
-                              <p:cond delay="1000"/>
+                              <p:cond delay="0"/>
                             </p:stCondLst>
                             <p:childTnLst>
                               <p:par>
-                                <p:cTn id="19" presetID="12" presetClass="entr" presetSubtype="4" fill="hold" nodeType="afterEffect">
+                                <p:cTn id="35" presetID="42" presetClass="entr" presetSubtype="0" fill="hold" grpId="0" nodeType="clickEffect">
                                   <p:stCondLst>
                                     <p:cond delay="0"/>
                                   </p:stCondLst>
                                   <p:childTnLst>
                                     <p:set>
                                       <p:cBhvr>
-                                        <p:cTn id="20" dur="1" fill="hold">
+                                        <p:cTn id="36" dur="1" fill="hold">
+                                          <p:stCondLst>
+                                            <p:cond delay="0"/>
+                                          </p:stCondLst>
+                                        </p:cTn>
+                                        <p:tgtEl>
+                                          <p:spTgt spid="6"/>
+                                        </p:tgtEl>
+                                        <p:attrNameLst>
+                                          <p:attrName>style.visibility</p:attrName>
+                                        </p:attrNameLst>
+                                      </p:cBhvr>
+                                      <p:to>
+                                        <p:strVal val="visible"/>
+                                      </p:to>
+                                    </p:set>
+                                    <p:animEffect transition="in" filter="fade">
+                                      <p:cBhvr>
+                                        <p:cTn id="37" dur="1000"/>
+                                        <p:tgtEl>
+                                          <p:spTgt spid="6"/>
+                                        </p:tgtEl>
+                                      </p:cBhvr>
+                                    </p:animEffect>
+                                    <p:anim calcmode="lin" valueType="num">
+                                      <p:cBhvr>
+                                        <p:cTn id="38" dur="1000" fill="hold"/>
+                                        <p:tgtEl>
+                                          <p:spTgt spid="6"/>
+                                        </p:tgtEl>
+                                        <p:attrNameLst>
+                                          <p:attrName>ppt_x</p:attrName>
+                                        </p:attrNameLst>
+                                      </p:cBhvr>
+                                      <p:tavLst>
+                                        <p:tav tm="0">
+                                          <p:val>
+                                            <p:strVal val="#ppt_x"/>
+                                          </p:val>
+                                        </p:tav>
+                                        <p:tav tm="100000">
+                                          <p:val>
+                                            <p:strVal val="#ppt_x"/>
+                                          </p:val>
+                                        </p:tav>
+                                      </p:tavLst>
+                                    </p:anim>
+                                    <p:anim calcmode="lin" valueType="num">
+                                      <p:cBhvr>
+                                        <p:cTn id="39" dur="1000" fill="hold"/>
+                                        <p:tgtEl>
+                                          <p:spTgt spid="6"/>
+                                        </p:tgtEl>
+                                        <p:attrNameLst>
+                                          <p:attrName>ppt_y</p:attrName>
+                                        </p:attrNameLst>
+                                      </p:cBhvr>
+                                      <p:tavLst>
+                                        <p:tav tm="0">
+                                          <p:val>
+                                            <p:strVal val="#ppt_y+.1"/>
+                                          </p:val>
+                                        </p:tav>
+                                        <p:tav tm="100000">
+                                          <p:val>
+                                            <p:strVal val="#ppt_y"/>
+                                          </p:val>
+                                        </p:tav>
+                                      </p:tavLst>
+                                    </p:anim>
+                                  </p:childTnLst>
+                                </p:cTn>
+                              </p:par>
+                            </p:childTnLst>
+                          </p:cTn>
+                        </p:par>
+                      </p:childTnLst>
+                    </p:cTn>
+                  </p:par>
+                  <p:par>
+                    <p:cTn id="40" fill="hold">
+                      <p:stCondLst>
+                        <p:cond delay="indefinite"/>
+                      </p:stCondLst>
+                      <p:childTnLst>
+                        <p:par>
+                          <p:cTn id="41" fill="hold">
+                            <p:stCondLst>
+                              <p:cond delay="0"/>
+                            </p:stCondLst>
+                            <p:childTnLst>
+                              <p:par>
+                                <p:cTn id="42" presetID="12" presetClass="entr" presetSubtype="4" fill="hold" nodeType="clickEffect">
+                                  <p:stCondLst>
+                                    <p:cond delay="0"/>
+                                  </p:stCondLst>
+                                  <p:childTnLst>
+                                    <p:set>
+                                      <p:cBhvr>
+                                        <p:cTn id="43" dur="1" fill="hold">
                                           <p:stCondLst>
                                             <p:cond delay="0"/>
                                           </p:stCondLst>
@@ -9039,7 +9441,7 @@
                                     </p:set>
                                     <p:anim calcmode="lin" valueType="num">
                                       <p:cBhvr additive="base">
-                                        <p:cTn id="21" dur="500"/>
+                                        <p:cTn id="44" dur="500"/>
                                         <p:tgtEl>
                                           <p:spTgt spid="4">
                                             <p:txEl>
@@ -9066,7 +9468,7 @@
                                     </p:anim>
                                     <p:animEffect transition="in" filter="wipe(up)">
                                       <p:cBhvr>
-                                        <p:cTn id="22" dur="500"/>
+                                        <p:cTn id="45" dur="500"/>
                                         <p:tgtEl>
                                           <p:spTgt spid="4">
                                             <p:txEl>
@@ -9076,6 +9478,105 @@
                                         </p:tgtEl>
                                       </p:cBhvr>
                                     </p:animEffect>
+                                  </p:childTnLst>
+                                </p:cTn>
+                              </p:par>
+                            </p:childTnLst>
+                          </p:cTn>
+                        </p:par>
+                      </p:childTnLst>
+                    </p:cTn>
+                  </p:par>
+                  <p:par>
+                    <p:cTn id="46" fill="hold">
+                      <p:stCondLst>
+                        <p:cond delay="indefinite"/>
+                      </p:stCondLst>
+                      <p:childTnLst>
+                        <p:par>
+                          <p:cTn id="47" fill="hold">
+                            <p:stCondLst>
+                              <p:cond delay="0"/>
+                            </p:stCondLst>
+                            <p:childTnLst>
+                              <p:par>
+                                <p:cTn id="48" presetID="42" presetClass="entr" presetSubtype="0" fill="hold" grpId="0" nodeType="clickEffect">
+                                  <p:stCondLst>
+                                    <p:cond delay="0"/>
+                                  </p:stCondLst>
+                                  <p:childTnLst>
+                                    <p:set>
+                                      <p:cBhvr>
+                                        <p:cTn id="49" dur="1" fill="hold">
+                                          <p:stCondLst>
+                                            <p:cond delay="0"/>
+                                          </p:stCondLst>
+                                        </p:cTn>
+                                        <p:tgtEl>
+                                          <p:spTgt spid="11"/>
+                                        </p:tgtEl>
+                                        <p:attrNameLst>
+                                          <p:attrName>style.visibility</p:attrName>
+                                        </p:attrNameLst>
+                                      </p:cBhvr>
+                                      <p:to>
+                                        <p:strVal val="visible"/>
+                                      </p:to>
+                                    </p:set>
+                                    <p:animEffect transition="in" filter="fade">
+                                      <p:cBhvr>
+                                        <p:cTn id="50" dur="1000"/>
+                                        <p:tgtEl>
+                                          <p:spTgt spid="11"/>
+                                        </p:tgtEl>
+                                      </p:cBhvr>
+                                    </p:animEffect>
+                                    <p:anim calcmode="lin" valueType="num">
+                                      <p:cBhvr>
+                                        <p:cTn id="51" dur="1000" fill="hold"/>
+                                        <p:tgtEl>
+                                          <p:spTgt spid="11"/>
+                                        </p:tgtEl>
+                                        <p:attrNameLst>
+                                          <p:attrName>ppt_x</p:attrName>
+                                        </p:attrNameLst>
+                                      </p:cBhvr>
+                                      <p:tavLst>
+                                        <p:tav tm="0">
+                                          <p:val>
+                                            <p:strVal val="#ppt_x"/>
+                                          </p:val>
+                                        </p:tav>
+                                        <p:tav tm="100000">
+                                          <p:val>
+                                            <p:strVal val="#ppt_x"/>
+                                          </p:val>
+                                        </p:tav>
+                                      </p:tavLst>
+                                    </p:anim>
+                                    <p:anim calcmode="lin" valueType="num">
+                                      <p:cBhvr>
+                                        <p:cTn id="52" dur="1000" fill="hold"/>
+                                        <p:tgtEl>
+                                          <p:spTgt spid="11"/>
+                                        </p:tgtEl>
+                                        <p:attrNameLst>
+                                          <p:attrName>ppt_y</p:attrName>
+                                        </p:attrNameLst>
+                                      </p:cBhvr>
+                                      <p:tavLst>
+                                        <p:tav tm="0">
+                                          <p:val>
+                                            <p:strVal val="#ppt_y+.1"/>
+                                          </p:val>
+                                        </p:tav>
+                                        <p:tav tm="100000">
+                                          <p:val>
+                                            <p:strVal val="#ppt_y"/>
+                                          </p:val>
+                                        </p:tav>
+                                      </p:tavLst>
+                                    </p:anim>
                                   </p:childTnLst>
                                 </p:cTn>
                               </p:par>
@@ -9106,6 +9607,20 @@
         </p:cTn>
       </p:par>
     </p:tnLst>
+    <p:bldLst>
+      <p:bldP spid="5" grpId="0" animBg="1"/>
+      <p:bldP spid="5" grpId="1" animBg="1"/>
+      <p:bldP spid="5" grpId="2" animBg="1"/>
+      <p:bldP spid="5" grpId="3" animBg="1"/>
+      <p:bldP spid="5" grpId="4" bldLvl="0" animBg="1"/>
+      <p:bldP spid="6" grpId="0" bldLvl="0" animBg="1"/>
+      <p:bldP spid="8" grpId="0" animBg="1"/>
+      <p:bldP spid="8" grpId="1" animBg="1"/>
+      <p:bldP spid="8" grpId="2" animBg="1"/>
+      <p:bldP spid="8" grpId="3" animBg="1"/>
+      <p:bldP spid="8" grpId="4" bldLvl="0" animBg="1"/>
+      <p:bldP spid="11" grpId="0" bldLvl="0" animBg="1"/>
+    </p:bldLst>
   </p:timing>
 </p:sld>
 </file>
@@ -10195,70 +10710,6 @@
           <a:chExt cx="0" cy="0"/>
         </a:xfrm>
       </p:grpSpPr>
-      <p:pic>
-        <p:nvPicPr>
-          <p:cNvPr id="1026" name="Picture 2"/>
-          <p:cNvPicPr>
-            <a:picLocks noChangeAspect="1" noChangeArrowheads="1"/>
-          </p:cNvPicPr>
-          <p:nvPr/>
-        </p:nvPicPr>
-        <p:blipFill>
-          <a:blip r:embed="rId3">
-            <a:extLst>
-              <a:ext uri="{28A0092B-C50C-407E-A947-70E740481C1C}">
-                <a14:useLocalDpi xmlns:a14="http://schemas.microsoft.com/office/drawing/2010/main" val="0"/>
-              </a:ext>
-            </a:extLst>
-          </a:blip>
-          <a:srcRect/>
-          <a:stretch>
-            <a:fillRect/>
-          </a:stretch>
-        </p:blipFill>
-        <p:spPr bwMode="auto">
-          <a:xfrm>
-            <a:off x="983432" y="1124744"/>
-            <a:ext cx="8500180" cy="4777996"/>
-          </a:xfrm>
-          <a:prstGeom prst="rect">
-            <a:avLst/>
-          </a:prstGeom>
-          <a:noFill/>
-          <a:ln>
-            <a:noFill/>
-          </a:ln>
-          <a:effectLst/>
-          <a:extLst>
-            <a:ext uri="{909E8E84-426E-40DD-AFC4-6F175D3DCCD1}">
-              <a14:hiddenFill xmlns:a14="http://schemas.microsoft.com/office/drawing/2010/main">
-                <a:solidFill>
-                  <a:schemeClr val="accent1"/>
-                </a:solidFill>
-              </a14:hiddenFill>
-            </a:ext>
-            <a:ext uri="{91240B29-F687-4F45-9708-019B960494DF}">
-              <a14:hiddenLine xmlns:a14="http://schemas.microsoft.com/office/drawing/2010/main" w="9525">
-                <a:solidFill>
-                  <a:schemeClr val="tx1"/>
-                </a:solidFill>
-                <a:miter lim="800000"/>
-                <a:headEnd/>
-                <a:tailEnd/>
-              </a14:hiddenLine>
-            </a:ext>
-            <a:ext uri="{AF507438-7753-43E0-B8FC-AC1667EBCBE1}">
-              <a14:hiddenEffects xmlns:a14="http://schemas.microsoft.com/office/drawing/2010/main">
-                <a:effectLst>
-                  <a:outerShdw dist="35921" dir="2700000" algn="ctr" rotWithShape="0">
-                    <a:schemeClr val="bg2"/>
-                  </a:outerShdw>
-                </a:effectLst>
-              </a14:hiddenEffects>
-            </a:ext>
-          </a:extLst>
-        </p:spPr>
-      </p:pic>
       <p:sp>
         <p:nvSpPr>
           <p:cNvPr id="3" name="内容占位符 2"/>
@@ -10286,6 +10737,30 @@
           </a:p>
         </p:txBody>
       </p:sp>
+      <p:pic>
+        <p:nvPicPr>
+          <p:cNvPr id="5" name="图片 4"/>
+          <p:cNvPicPr>
+            <a:picLocks noChangeAspect="1"/>
+          </p:cNvPicPr>
+          <p:nvPr/>
+        </p:nvPicPr>
+        <p:blipFill>
+          <a:blip r:embed="rId3"/>
+          <a:stretch>
+            <a:fillRect/>
+          </a:stretch>
+        </p:blipFill>
+        <p:spPr>
+          <a:xfrm>
+            <a:off x="1090930" y="1021715"/>
+            <a:ext cx="8489950" cy="5049520"/>
+          </a:xfrm>
+          <a:prstGeom prst="rect">
+            <a:avLst/>
+          </a:prstGeom>
+        </p:spPr>
+      </p:pic>
       <p:sp>
         <p:nvSpPr>
           <p:cNvPr id="2050" name=" 2050"/>
@@ -10294,7 +10769,7 @@
         </p:nvSpPr>
         <p:spPr bwMode="auto">
           <a:xfrm>
-            <a:off x="5356463" y="3429000"/>
+            <a:off x="5175250" y="3649345"/>
             <a:ext cx="1891665" cy="1659890"/>
           </a:xfrm>
           <a:custGeom>
@@ -27962,45 +28437,102 @@
             <a:endParaRPr lang="en-US" altLang="zh-CN" sz="2800" dirty="0"/>
           </a:p>
           <a:p>
+            <a:r>
+              <a:rPr lang="en-US" altLang="zh-CN" sz="2800" dirty="0" smtClean="0">
+                <a:sym typeface="+mn-ea"/>
+              </a:rPr>
+              <a:t> </a:t>
+            </a:r>
+            <a:r>
+              <a:rPr lang="zh-CN" altLang="en-US" sz="2800" dirty="0" smtClean="0">
+                <a:sym typeface="+mn-ea"/>
+              </a:rPr>
+              <a:t>总结：</a:t>
+            </a:r>
+            <a:r>
+              <a:rPr lang="zh-CN" altLang="en-US" dirty="0"/>
+              <a:t>非</a:t>
+            </a:r>
+            <a:r>
+              <a:rPr lang="en-US" altLang="zh-CN" dirty="0"/>
+              <a:t>0</a:t>
+            </a:r>
+            <a:r>
+              <a:rPr lang="zh-CN" altLang="en-US" dirty="0"/>
+              <a:t>数字和非空字符</a:t>
+            </a:r>
+            <a:r>
+              <a:rPr lang="zh-CN" altLang="en-US" dirty="0" smtClean="0"/>
+              <a:t>串转为</a:t>
+            </a:r>
+            <a:r>
+              <a:rPr lang="en-US" altLang="zh-CN" dirty="0" smtClean="0">
+                <a:sym typeface="Wingdings" pitchFamily="2" charset="2"/>
+              </a:rPr>
+              <a:t>true</a:t>
+            </a:r>
+            <a:r>
+              <a:rPr lang="zh-CN" altLang="en-US" dirty="0" smtClean="0">
+                <a:sym typeface="Wingdings" pitchFamily="2" charset="2"/>
+              </a:rPr>
+              <a:t>，其余均为</a:t>
+            </a:r>
+            <a:r>
+              <a:rPr lang="en-US" altLang="zh-CN" dirty="0" smtClean="0">
+                <a:sym typeface="Wingdings" pitchFamily="2" charset="2"/>
+              </a:rPr>
+              <a:t>false</a:t>
+            </a:r>
+            <a:endParaRPr lang="en-US" altLang="zh-CN" sz="2800" dirty="0" smtClean="0">
+              <a:sym typeface="+mn-ea"/>
+            </a:endParaRPr>
+          </a:p>
+          <a:p>
             <a:pPr lvl="0"/>
             <a:r>
+              <a:rPr lang="en-US" altLang="zh-CN" sz="2800" dirty="0" smtClean="0">
+                <a:sym typeface="+mn-ea"/>
+              </a:rPr>
+              <a:t> </a:t>
+            </a:r>
+            <a:r>
+              <a:rPr lang="zh-CN" altLang="en-US" sz="2800" dirty="0">
+                <a:sym typeface="+mn-ea"/>
+              </a:rPr>
+              <a:t>强制转换为 Boolean 类型</a:t>
+            </a:r>
+            <a:r>
               <a:rPr lang="en-US" altLang="zh-CN" sz="2800" dirty="0">
                 <a:sym typeface="+mn-ea"/>
               </a:rPr>
-              <a:t> </a:t>
+              <a:t>: </a:t>
             </a:r>
             <a:r>
               <a:rPr lang="zh-CN" altLang="en-US" sz="2800" dirty="0">
                 <a:sym typeface="+mn-ea"/>
               </a:rPr>
-              <a:t>强制转换为 Boolean 类型</a:t>
+              <a:t>Bo</a:t>
             </a:r>
             <a:r>
               <a:rPr lang="en-US" altLang="zh-CN" sz="2800" dirty="0">
                 <a:sym typeface="+mn-ea"/>
               </a:rPr>
-              <a:t>: </a:t>
+              <a:t>o</a:t>
             </a:r>
             <a:r>
               <a:rPr lang="zh-CN" altLang="en-US" sz="2800" dirty="0">
                 <a:sym typeface="+mn-ea"/>
               </a:rPr>
-              <a:t>Bo</a:t>
-            </a:r>
-            <a:r>
-              <a:rPr lang="en-US" altLang="zh-CN" sz="2800" dirty="0">
-                <a:sym typeface="+mn-ea"/>
-              </a:rPr>
-              <a:t>o</a:t>
-            </a:r>
-            <a:r>
-              <a:rPr lang="zh-CN" altLang="en-US" sz="2800" dirty="0">
-                <a:sym typeface="+mn-ea"/>
-              </a:rPr>
-              <a:t>lean()</a:t>
-            </a:r>
-            <a:r>
-              <a:rPr lang="en-US" altLang="zh-CN" sz="2800" dirty="0">
+              <a:t>lean</a:t>
+            </a:r>
+            <a:r>
+              <a:rPr lang="zh-CN" altLang="en-US" sz="2800" dirty="0" smtClean="0">
+                <a:sym typeface="+mn-ea"/>
+              </a:rPr>
+              <a:t>( )</a:t>
+            </a:r>
+            <a:r>
+              <a:rPr lang="en-US" altLang="zh-CN" sz="2800" dirty="0" smtClean="0">
                 <a:sym typeface="+mn-ea"/>
               </a:rPr>
               <a:t> </a:t>
@@ -44754,9 +45286,14 @@
           <a:lstStyle/>
           <a:p>
             <a:r>
-              <a:rPr lang="zh-CN" altLang="en-US"/>
-              <a:t>顺序语句</a:t>
-            </a:r>
+              <a:rPr lang="zh-CN" altLang="en-US" dirty="0"/>
+              <a:t>分支</a:t>
+            </a:r>
+            <a:r>
+              <a:rPr lang="zh-CN" altLang="en-US" dirty="0" smtClean="0"/>
+              <a:t>语句</a:t>
+            </a:r>
+            <a:endParaRPr lang="zh-CN" altLang="en-US" dirty="0"/>
           </a:p>
         </p:txBody>
       </p:sp>
@@ -49487,7 +50024,7 @@
   <a:extraClrSchemeLst/>
   <a:extLst>
     <a:ext uri="{05A4C25C-085E-4340-85A3-A5531E510DB2}">
-      <thm15:themeFamily xmlns:thm15="http://schemas.microsoft.com/office/thememl/2012/main" xmlns="" name="Office Theme" id="{62F939B6-93AF-4DB8-9C6B-D6C7DFDC589F}" vid="{4A3C46E8-61CC-4603-A589-7422A47A8E4A}"/>
+      <thm15:themeFamily xmlns="" xmlns:thm15="http://schemas.microsoft.com/office/thememl/2012/main" name="Office Theme" id="{62F939B6-93AF-4DB8-9C6B-D6C7DFDC589F}" vid="{4A3C46E8-61CC-4603-A589-7422A47A8E4A}"/>
     </a:ext>
   </a:extLst>
 </a:theme>
@@ -49775,7 +50312,7 @@
   <a:extraClrSchemeLst/>
   <a:extLst>
     <a:ext uri="{05A4C25C-085E-4340-85A3-A5531E510DB2}">
-      <thm15:themeFamily xmlns:thm15="http://schemas.microsoft.com/office/thememl/2012/main" xmlns="" name="Office Theme" id="{62F939B6-93AF-4DB8-9C6B-D6C7DFDC589F}" vid="{4A3C46E8-61CC-4603-A589-7422A47A8E4A}"/>
+      <thm15:themeFamily xmlns="" xmlns:thm15="http://schemas.microsoft.com/office/thememl/2012/main" name="Office Theme" id="{62F939B6-93AF-4DB8-9C6B-D6C7DFDC589F}" vid="{4A3C46E8-61CC-4603-A589-7422A47A8E4A}"/>
     </a:ext>
   </a:extLst>
 </a:theme>
